--- a/2016工作总结及2017年工作计划_刘泽.pptx
+++ b/2016工作总结及2017年工作计划_刘泽.pptx
@@ -11428,7 +11428,46 @@
                   <a:latin typeface="微软雅黑" panose="020B0503020204020204" pitchFamily="34" charset="-122"/>
                   <a:ea typeface="微软雅黑" panose="020B0503020204020204" pitchFamily="34" charset="-122"/>
                 </a:rPr>
-                <a:t>，复用的样式定义公共方法，方便其他模块调用；</a:t>
+                <a:t>，复用的样式定义公共方法</a:t>
+              </a:r>
+              <a:r>
+                <a:rPr lang="zh-CN" altLang="en-US" sz="1400" dirty="0" smtClean="0">
+                  <a:solidFill>
+                    <a:schemeClr val="tx1">
+                      <a:lumMod val="75000"/>
+                      <a:lumOff val="25000"/>
+                    </a:schemeClr>
+                  </a:solidFill>
+                  <a:latin typeface="微软雅黑" panose="020B0503020204020204" pitchFamily="34" charset="-122"/>
+                  <a:ea typeface="微软雅黑" panose="020B0503020204020204" pitchFamily="34" charset="-122"/>
+                </a:rPr>
+                <a:t>，</a:t>
+              </a:r>
+              <a:r>
+                <a:rPr lang="zh-CN" altLang="en-US" sz="1400" dirty="0" smtClean="0">
+                  <a:solidFill>
+                    <a:schemeClr val="tx1">
+                      <a:lumMod val="75000"/>
+                      <a:lumOff val="25000"/>
+                    </a:schemeClr>
+                  </a:solidFill>
+                  <a:latin typeface="微软雅黑" panose="020B0503020204020204" pitchFamily="34" charset="-122"/>
+                  <a:ea typeface="微软雅黑" panose="020B0503020204020204" pitchFamily="34" charset="-122"/>
+                </a:rPr>
+                <a:t>其他模块调用即可</a:t>
+              </a:r>
+              <a:r>
+                <a:rPr lang="zh-CN" altLang="en-US" sz="1400" dirty="0" smtClean="0">
+                  <a:solidFill>
+                    <a:schemeClr val="tx1">
+                      <a:lumMod val="75000"/>
+                      <a:lumOff val="25000"/>
+                    </a:schemeClr>
+                  </a:solidFill>
+                  <a:latin typeface="微软雅黑" panose="020B0503020204020204" pitchFamily="34" charset="-122"/>
+                  <a:ea typeface="微软雅黑" panose="020B0503020204020204" pitchFamily="34" charset="-122"/>
+                </a:rPr>
+                <a:t>；</a:t>
               </a:r>
               <a:endParaRPr lang="en-US" altLang="zh-CN" sz="1400" dirty="0">
                 <a:solidFill>
@@ -11604,20 +11643,7 @@
                   <a:latin typeface="微软雅黑" panose="020B0503020204020204" pitchFamily="34" charset="-122"/>
                   <a:ea typeface="微软雅黑" panose="020B0503020204020204" pitchFamily="34" charset="-122"/>
                 </a:rPr>
-                <a:t>，处理</a:t>
-              </a:r>
-              <a:r>
-                <a:rPr lang="en-US" altLang="zh-CN" sz="1400" dirty="0" smtClean="0">
-                  <a:solidFill>
-                    <a:schemeClr val="tx1">
-                      <a:lumMod val="75000"/>
-                      <a:lumOff val="25000"/>
-                    </a:schemeClr>
-                  </a:solidFill>
-                  <a:latin typeface="微软雅黑" panose="020B0503020204020204" pitchFamily="34" charset="-122"/>
-                  <a:ea typeface="微软雅黑" panose="020B0503020204020204" pitchFamily="34" charset="-122"/>
-                </a:rPr>
-                <a:t>sheng</a:t>
+                <a:t>，</a:t>
               </a:r>
               <a:r>
                 <a:rPr lang="zh-CN" altLang="en-US" sz="1400" dirty="0" smtClean="0">
@@ -11630,7 +11656,20 @@
                   <a:latin typeface="微软雅黑" panose="020B0503020204020204" pitchFamily="34" charset="-122"/>
                   <a:ea typeface="微软雅黑" panose="020B0503020204020204" pitchFamily="34" charset="-122"/>
                 </a:rPr>
-                <a:t>环境的</a:t>
+                <a:t>处理发布环境</a:t>
+              </a:r>
+              <a:r>
+                <a:rPr lang="zh-CN" altLang="en-US" sz="1400" dirty="0" smtClean="0">
+                  <a:solidFill>
+                    <a:schemeClr val="tx1">
+                      <a:lumMod val="75000"/>
+                      <a:lumOff val="25000"/>
+                    </a:schemeClr>
+                  </a:solidFill>
+                  <a:latin typeface="微软雅黑" panose="020B0503020204020204" pitchFamily="34" charset="-122"/>
+                  <a:ea typeface="微软雅黑" panose="020B0503020204020204" pitchFamily="34" charset="-122"/>
+                </a:rPr>
+                <a:t>的</a:t>
               </a:r>
               <a:r>
                 <a:rPr lang="en-US" altLang="zh-CN" sz="1400" dirty="0" err="1" smtClean="0">
@@ -11897,7 +11936,33 @@
                   <a:latin typeface="微软雅黑" panose="020B0503020204020204" pitchFamily="34" charset="-122"/>
                   <a:ea typeface="微软雅黑" panose="020B0503020204020204" pitchFamily="34" charset="-122"/>
                 </a:rPr>
-                <a:t>端和移动端是可以使用；</a:t>
+                <a:t>端和移动</a:t>
+              </a:r>
+              <a:r>
+                <a:rPr lang="zh-CN" altLang="en-US" sz="1400" dirty="0" smtClean="0">
+                  <a:solidFill>
+                    <a:schemeClr val="tx1">
+                      <a:lumMod val="75000"/>
+                      <a:lumOff val="25000"/>
+                    </a:schemeClr>
+                  </a:solidFill>
+                  <a:latin typeface="微软雅黑" panose="020B0503020204020204" pitchFamily="34" charset="-122"/>
+                  <a:ea typeface="微软雅黑" panose="020B0503020204020204" pitchFamily="34" charset="-122"/>
+                </a:rPr>
+                <a:t>端可以同时使用</a:t>
+              </a:r>
+              <a:r>
+                <a:rPr lang="zh-CN" altLang="en-US" sz="1400" dirty="0" smtClean="0">
+                  <a:solidFill>
+                    <a:schemeClr val="tx1">
+                      <a:lumMod val="75000"/>
+                      <a:lumOff val="25000"/>
+                    </a:schemeClr>
+                  </a:solidFill>
+                  <a:latin typeface="微软雅黑" panose="020B0503020204020204" pitchFamily="34" charset="-122"/>
+                  <a:ea typeface="微软雅黑" panose="020B0503020204020204" pitchFamily="34" charset="-122"/>
+                </a:rPr>
+                <a:t>；</a:t>
               </a:r>
               <a:endParaRPr lang="en-US" altLang="zh-CN" sz="1400" dirty="0">
                 <a:solidFill>
@@ -12243,7 +12308,20 @@
                   <a:latin typeface="微软雅黑" panose="020B0503020204020204" pitchFamily="34" charset="-122"/>
                   <a:ea typeface="微软雅黑" panose="020B0503020204020204" pitchFamily="34" charset="-122"/>
                 </a:rPr>
-                <a:t>模板引擎的使用</a:t>
+                <a:t>模板</a:t>
+              </a:r>
+              <a:r>
+                <a:rPr lang="zh-CN" altLang="en-US" b="1" dirty="0" smtClean="0">
+                  <a:solidFill>
+                    <a:schemeClr val="tx1">
+                      <a:lumMod val="75000"/>
+                      <a:lumOff val="25000"/>
+                    </a:schemeClr>
+                  </a:solidFill>
+                  <a:latin typeface="微软雅黑" panose="020B0503020204020204" pitchFamily="34" charset="-122"/>
+                  <a:ea typeface="微软雅黑" panose="020B0503020204020204" pitchFamily="34" charset="-122"/>
+                </a:rPr>
+                <a:t>引擎</a:t>
               </a:r>
               <a:endParaRPr lang="zh-CN" altLang="en-US" b="1" dirty="0">
                 <a:solidFill>
@@ -12537,7 +12615,7 @@
                   <a:latin typeface="微软雅黑" panose="020B0503020204020204" pitchFamily="34" charset="-122"/>
                   <a:ea typeface="微软雅黑" panose="020B0503020204020204" pitchFamily="34" charset="-122"/>
                 </a:rPr>
-                <a:t>、</a:t>
+                <a:t>和新版的</a:t>
               </a:r>
               <a:r>
                 <a:rPr lang="en-US" altLang="zh-CN" sz="1400" dirty="0" smtClean="0">

--- a/2016工作总结及2017年工作计划_刘泽.pptx
+++ b/2016工作总结及2017年工作计划_刘泽.pptx
@@ -6,14 +6,13 @@
   </p:sldMasterIdLst>
   <p:sldIdLst>
     <p:sldId id="260" r:id="rId2"/>
-    <p:sldId id="263" r:id="rId3"/>
-    <p:sldId id="261" r:id="rId4"/>
-    <p:sldId id="273" r:id="rId5"/>
-    <p:sldId id="270" r:id="rId6"/>
-    <p:sldId id="271" r:id="rId7"/>
-    <p:sldId id="267" r:id="rId8"/>
-    <p:sldId id="269" r:id="rId9"/>
-    <p:sldId id="262" r:id="rId10"/>
+    <p:sldId id="261" r:id="rId3"/>
+    <p:sldId id="273" r:id="rId4"/>
+    <p:sldId id="270" r:id="rId5"/>
+    <p:sldId id="271" r:id="rId6"/>
+    <p:sldId id="267" r:id="rId7"/>
+    <p:sldId id="269" r:id="rId8"/>
+    <p:sldId id="262" r:id="rId9"/>
   </p:sldIdLst>
   <p:sldSz cx="12192000" cy="6858000"/>
   <p:notesSz cx="6858000" cy="9144000"/>
@@ -2050,19 +2049,46 @@
         </p:nvSpPr>
         <p:spPr>
           <a:xfrm>
-            <a:off x="2712243" y="2427655"/>
-            <a:ext cx="6767513" cy="722476"/>
+            <a:off x="2110593" y="2591555"/>
+            <a:ext cx="7955756" cy="722476"/>
           </a:xfrm>
         </p:spPr>
         <p:txBody>
           <a:bodyPr>
-            <a:normAutofit/>
+            <a:normAutofit fontScale="90000"/>
           </a:bodyPr>
           <a:lstStyle/>
           <a:p>
+            <a:pPr algn="ctr"/>
             <a:r>
-              <a:rPr lang="zh-CN" altLang="en-US" dirty="0" smtClean="0"/>
-              <a:t>北京圣邦天麒科技有限公司</a:t>
+              <a:rPr lang="en-US" altLang="zh-CN" dirty="0">
+                <a:latin typeface="+mn-ea"/>
+              </a:rPr>
+              <a:t>《2016</a:t>
+            </a:r>
+            <a:r>
+              <a:rPr lang="zh-CN" altLang="en-US" dirty="0">
+                <a:latin typeface="+mn-ea"/>
+              </a:rPr>
+              <a:t>年工作总结及</a:t>
+            </a:r>
+            <a:r>
+              <a:rPr lang="en-US" altLang="zh-CN" dirty="0">
+                <a:latin typeface="+mn-ea"/>
+              </a:rPr>
+              <a:t>2017</a:t>
+            </a:r>
+            <a:r>
+              <a:rPr lang="zh-CN" altLang="en-US" dirty="0">
+                <a:latin typeface="+mn-ea"/>
+              </a:rPr>
+              <a:t>年工作总结</a:t>
+            </a:r>
+            <a:r>
+              <a:rPr lang="en-US" altLang="zh-CN" dirty="0">
+                <a:latin typeface="+mn-ea"/>
+              </a:rPr>
+              <a:t>》</a:t>
             </a:r>
             <a:endParaRPr lang="zh-CN" altLang="en-US" dirty="0"/>
           </a:p>
@@ -2112,118 +2138,107 @@
   <p:clrMapOvr>
     <a:masterClrMapping/>
   </p:clrMapOvr>
+  <mc:AlternateContent xmlns:mc="http://schemas.openxmlformats.org/markup-compatibility/2006">
+    <mc:Choice xmlns:p14="http://schemas.microsoft.com/office/powerpoint/2010/main" Requires="p14">
+      <p:transition p14:dur="0"/>
+    </mc:Choice>
+    <mc:Fallback>
+      <p:transition/>
+    </mc:Fallback>
+  </mc:AlternateContent>
   <p:timing>
     <p:tnLst>
       <p:par>
-        <p:cTn id="1" dur="indefinite" restart="never" nodeType="tmRoot"/>
+        <p:cTn id="1" dur="indefinite" restart="never" nodeType="tmRoot">
+          <p:childTnLst>
+            <p:seq concurrent="1" nextAc="seek">
+              <p:cTn id="2" dur="indefinite" nodeType="mainSeq">
+                <p:childTnLst>
+                  <p:par>
+                    <p:cTn id="3" fill="hold">
+                      <p:stCondLst>
+                        <p:cond delay="indefinite"/>
+                        <p:cond evt="onBegin" delay="0">
+                          <p:tn val="2"/>
+                        </p:cond>
+                      </p:stCondLst>
+                      <p:childTnLst>
+                        <p:par>
+                          <p:cTn id="4" fill="hold">
+                            <p:stCondLst>
+                              <p:cond delay="0"/>
+                            </p:stCondLst>
+                            <p:childTnLst>
+                              <p:par>
+                                <p:cTn id="5" presetID="10" presetClass="entr" presetSubtype="0" fill="hold" grpId="0" nodeType="withEffect">
+                                  <p:stCondLst>
+                                    <p:cond delay="0"/>
+                                  </p:stCondLst>
+                                  <p:childTnLst>
+                                    <p:set>
+                                      <p:cBhvr>
+                                        <p:cTn id="6" dur="1" fill="hold">
+                                          <p:stCondLst>
+                                            <p:cond delay="0"/>
+                                          </p:stCondLst>
+                                        </p:cTn>
+                                        <p:tgtEl>
+                                          <p:spTgt spid="4"/>
+                                        </p:tgtEl>
+                                        <p:attrNameLst>
+                                          <p:attrName>style.visibility</p:attrName>
+                                        </p:attrNameLst>
+                                      </p:cBhvr>
+                                      <p:to>
+                                        <p:strVal val="visible"/>
+                                      </p:to>
+                                    </p:set>
+                                    <p:animEffect transition="in" filter="fade">
+                                      <p:cBhvr>
+                                        <p:cTn id="7" dur="500"/>
+                                        <p:tgtEl>
+                                          <p:spTgt spid="4"/>
+                                        </p:tgtEl>
+                                      </p:cBhvr>
+                                    </p:animEffect>
+                                  </p:childTnLst>
+                                </p:cTn>
+                              </p:par>
+                            </p:childTnLst>
+                          </p:cTn>
+                        </p:par>
+                      </p:childTnLst>
+                    </p:cTn>
+                  </p:par>
+                </p:childTnLst>
+              </p:cTn>
+              <p:prevCondLst>
+                <p:cond evt="onPrev" delay="0">
+                  <p:tgtEl>
+                    <p:sldTgt/>
+                  </p:tgtEl>
+                </p:cond>
+              </p:prevCondLst>
+              <p:nextCondLst>
+                <p:cond evt="onNext" delay="0">
+                  <p:tgtEl>
+                    <p:sldTgt/>
+                  </p:tgtEl>
+                </p:cond>
+              </p:nextCondLst>
+            </p:seq>
+          </p:childTnLst>
+        </p:cTn>
       </p:par>
     </p:tnLst>
+    <p:bldLst>
+      <p:bldP spid="4" grpId="0"/>
+    </p:bldLst>
   </p:timing>
 </p:sld>
 </file>
 
 <file path=ppt/slides/slide2.xml><?xml version="1.0" encoding="utf-8"?>
-<p:sld xmlns:a="http://schemas.openxmlformats.org/drawingml/2006/main" xmlns:r="http://schemas.openxmlformats.org/officeDocument/2006/relationships" xmlns:p="http://schemas.openxmlformats.org/presentationml/2006/main">
-  <p:cSld>
-    <p:spTree>
-      <p:nvGrpSpPr>
-        <p:cNvPr id="1" name=""/>
-        <p:cNvGrpSpPr/>
-        <p:nvPr/>
-      </p:nvGrpSpPr>
-      <p:grpSpPr>
-        <a:xfrm>
-          <a:off x="0" y="0"/>
-          <a:ext cx="0" cy="0"/>
-          <a:chOff x="0" y="0"/>
-          <a:chExt cx="0" cy="0"/>
-        </a:xfrm>
-      </p:grpSpPr>
-      <p:sp>
-        <p:nvSpPr>
-          <p:cNvPr id="2" name="标题 1"/>
-          <p:cNvSpPr>
-            <a:spLocks noGrp="1"/>
-          </p:cNvSpPr>
-          <p:nvPr>
-            <p:ph type="title"/>
-          </p:nvPr>
-        </p:nvSpPr>
-        <p:spPr>
-          <a:xfrm>
-            <a:off x="2052088" y="2502870"/>
-            <a:ext cx="8010844" cy="1325563"/>
-          </a:xfrm>
-        </p:spPr>
-        <p:txBody>
-          <a:bodyPr>
-            <a:normAutofit/>
-          </a:bodyPr>
-          <a:lstStyle/>
-          <a:p>
-            <a:r>
-              <a:rPr lang="en-US" altLang="zh-CN" sz="3600" dirty="0" smtClean="0">
-                <a:latin typeface="+mn-ea"/>
-                <a:ea typeface="+mn-ea"/>
-              </a:rPr>
-              <a:t>《2016</a:t>
-            </a:r>
-            <a:r>
-              <a:rPr lang="zh-CN" altLang="en-US" sz="3600" dirty="0" smtClean="0">
-                <a:latin typeface="+mn-ea"/>
-                <a:ea typeface="+mn-ea"/>
-              </a:rPr>
-              <a:t>年工作总结及</a:t>
-            </a:r>
-            <a:r>
-              <a:rPr lang="en-US" altLang="zh-CN" sz="3600" dirty="0" smtClean="0">
-                <a:latin typeface="+mn-ea"/>
-                <a:ea typeface="+mn-ea"/>
-              </a:rPr>
-              <a:t>2017</a:t>
-            </a:r>
-            <a:r>
-              <a:rPr lang="zh-CN" altLang="en-US" sz="3600" dirty="0" smtClean="0">
-                <a:latin typeface="+mn-ea"/>
-                <a:ea typeface="+mn-ea"/>
-              </a:rPr>
-              <a:t>年工作总结</a:t>
-            </a:r>
-            <a:r>
-              <a:rPr lang="en-US" altLang="zh-CN" sz="3600" dirty="0" smtClean="0">
-                <a:latin typeface="+mn-ea"/>
-                <a:ea typeface="+mn-ea"/>
-              </a:rPr>
-              <a:t>》</a:t>
-            </a:r>
-            <a:endParaRPr lang="zh-CN" altLang="en-US" sz="3600" dirty="0">
-              <a:latin typeface="+mn-ea"/>
-              <a:ea typeface="+mn-ea"/>
-            </a:endParaRPr>
-          </a:p>
-        </p:txBody>
-      </p:sp>
-    </p:spTree>
-    <p:extLst>
-      <p:ext uri="{BB962C8B-B14F-4D97-AF65-F5344CB8AC3E}">
-        <p14:creationId xmlns:p14="http://schemas.microsoft.com/office/powerpoint/2010/main" val="1180603607"/>
-      </p:ext>
-    </p:extLst>
-  </p:cSld>
-  <p:clrMapOvr>
-    <a:masterClrMapping/>
-  </p:clrMapOvr>
-  <p:timing>
-    <p:tnLst>
-      <p:par>
-        <p:cTn id="1" dur="indefinite" restart="never" nodeType="tmRoot"/>
-      </p:par>
-    </p:tnLst>
-  </p:timing>
-</p:sld>
-</file>
-
-<file path=ppt/slides/slide3.xml><?xml version="1.0" encoding="utf-8"?>
 <p:sld xmlns:a="http://schemas.openxmlformats.org/drawingml/2006/main" xmlns:r="http://schemas.openxmlformats.org/officeDocument/2006/relationships" xmlns:p="http://schemas.openxmlformats.org/presentationml/2006/main" showMasterSp="0">
   <p:cSld>
     <p:spTree>
@@ -3367,6 +3382,9 @@
   <p:clrMapOvr>
     <a:masterClrMapping/>
   </p:clrMapOvr>
+  <p:transition spd="slow">
+    <p:push dir="u"/>
+  </p:transition>
   <p:timing>
     <p:tnLst>
       <p:par>
@@ -3740,7 +3758,7 @@
 </p:sld>
 </file>
 
-<file path=ppt/slides/slide4.xml><?xml version="1.0" encoding="utf-8"?>
+<file path=ppt/slides/slide3.xml><?xml version="1.0" encoding="utf-8"?>
 <p:sld xmlns:a="http://schemas.openxmlformats.org/drawingml/2006/main" xmlns:r="http://schemas.openxmlformats.org/officeDocument/2006/relationships" xmlns:p="http://schemas.openxmlformats.org/presentationml/2006/main">
   <p:cSld>
     <p:spTree>
@@ -5287,6 +5305,9 @@
   <p:clrMapOvr>
     <a:masterClrMapping/>
   </p:clrMapOvr>
+  <p:transition spd="slow">
+    <p:push dir="u"/>
+  </p:transition>
   <p:timing>
     <p:tnLst>
       <p:par>
@@ -5724,7 +5745,7 @@
 </p:sld>
 </file>
 
-<file path=ppt/slides/slide5.xml><?xml version="1.0" encoding="utf-8"?>
+<file path=ppt/slides/slide4.xml><?xml version="1.0" encoding="utf-8"?>
 <p:sld xmlns:a="http://schemas.openxmlformats.org/drawingml/2006/main" xmlns:r="http://schemas.openxmlformats.org/officeDocument/2006/relationships" xmlns:p="http://schemas.openxmlformats.org/presentationml/2006/main">
   <p:cSld>
     <p:spTree>
@@ -7566,6 +7587,9 @@
   <p:clrMapOvr>
     <a:masterClrMapping/>
   </p:clrMapOvr>
+  <p:transition spd="slow">
+    <p:push dir="u"/>
+  </p:transition>
   <p:timing>
     <p:tnLst>
       <p:par>
@@ -8523,7 +8547,7 @@
 </p:sld>
 </file>
 
-<file path=ppt/slides/slide6.xml><?xml version="1.0" encoding="utf-8"?>
+<file path=ppt/slides/slide5.xml><?xml version="1.0" encoding="utf-8"?>
 <p:sld xmlns:a="http://schemas.openxmlformats.org/drawingml/2006/main" xmlns:r="http://schemas.openxmlformats.org/officeDocument/2006/relationships" xmlns:p="http://schemas.openxmlformats.org/presentationml/2006/main">
   <p:cSld>
     <p:spTree>
@@ -9924,6 +9948,9 @@
   <p:clrMapOvr>
     <a:masterClrMapping/>
   </p:clrMapOvr>
+  <p:transition spd="slow">
+    <p:push dir="u"/>
+  </p:transition>
   <p:timing>
     <p:tnLst>
       <p:par>
@@ -10492,7 +10519,7 @@
 </p:sld>
 </file>
 
-<file path=ppt/slides/slide7.xml><?xml version="1.0" encoding="utf-8"?>
+<file path=ppt/slides/slide6.xml><?xml version="1.0" encoding="utf-8"?>
 <p:sld xmlns:a="http://schemas.openxmlformats.org/drawingml/2006/main" xmlns:r="http://schemas.openxmlformats.org/officeDocument/2006/relationships" xmlns:p="http://schemas.openxmlformats.org/presentationml/2006/main">
   <p:cSld>
     <p:spTree>
@@ -11428,46 +11455,7 @@
                   <a:latin typeface="微软雅黑" panose="020B0503020204020204" pitchFamily="34" charset="-122"/>
                   <a:ea typeface="微软雅黑" panose="020B0503020204020204" pitchFamily="34" charset="-122"/>
                 </a:rPr>
-                <a:t>，复用的样式定义公共方法</a:t>
-              </a:r>
-              <a:r>
-                <a:rPr lang="zh-CN" altLang="en-US" sz="1400" dirty="0" smtClean="0">
-                  <a:solidFill>
-                    <a:schemeClr val="tx1">
-                      <a:lumMod val="75000"/>
-                      <a:lumOff val="25000"/>
-                    </a:schemeClr>
-                  </a:solidFill>
-                  <a:latin typeface="微软雅黑" panose="020B0503020204020204" pitchFamily="34" charset="-122"/>
-                  <a:ea typeface="微软雅黑" panose="020B0503020204020204" pitchFamily="34" charset="-122"/>
-                </a:rPr>
-                <a:t>，</a:t>
-              </a:r>
-              <a:r>
-                <a:rPr lang="zh-CN" altLang="en-US" sz="1400" dirty="0" smtClean="0">
-                  <a:solidFill>
-                    <a:schemeClr val="tx1">
-                      <a:lumMod val="75000"/>
-                      <a:lumOff val="25000"/>
-                    </a:schemeClr>
-                  </a:solidFill>
-                  <a:latin typeface="微软雅黑" panose="020B0503020204020204" pitchFamily="34" charset="-122"/>
-                  <a:ea typeface="微软雅黑" panose="020B0503020204020204" pitchFamily="34" charset="-122"/>
-                </a:rPr>
-                <a:t>其他模块调用即可</a:t>
-              </a:r>
-              <a:r>
-                <a:rPr lang="zh-CN" altLang="en-US" sz="1400" dirty="0" smtClean="0">
-                  <a:solidFill>
-                    <a:schemeClr val="tx1">
-                      <a:lumMod val="75000"/>
-                      <a:lumOff val="25000"/>
-                    </a:schemeClr>
-                  </a:solidFill>
-                  <a:latin typeface="微软雅黑" panose="020B0503020204020204" pitchFamily="34" charset="-122"/>
-                  <a:ea typeface="微软雅黑" panose="020B0503020204020204" pitchFamily="34" charset="-122"/>
-                </a:rPr>
-                <a:t>；</a:t>
+                <a:t>，复用的样式定义公共方法，其他模块调用即可；</a:t>
               </a:r>
               <a:endParaRPr lang="en-US" altLang="zh-CN" sz="1400" dirty="0">
                 <a:solidFill>
@@ -11643,33 +11631,7 @@
                   <a:latin typeface="微软雅黑" panose="020B0503020204020204" pitchFamily="34" charset="-122"/>
                   <a:ea typeface="微软雅黑" panose="020B0503020204020204" pitchFamily="34" charset="-122"/>
                 </a:rPr>
-                <a:t>，</a:t>
-              </a:r>
-              <a:r>
-                <a:rPr lang="zh-CN" altLang="en-US" sz="1400" dirty="0" smtClean="0">
-                  <a:solidFill>
-                    <a:schemeClr val="tx1">
-                      <a:lumMod val="75000"/>
-                      <a:lumOff val="25000"/>
-                    </a:schemeClr>
-                  </a:solidFill>
-                  <a:latin typeface="微软雅黑" panose="020B0503020204020204" pitchFamily="34" charset="-122"/>
-                  <a:ea typeface="微软雅黑" panose="020B0503020204020204" pitchFamily="34" charset="-122"/>
-                </a:rPr>
-                <a:t>处理发布环境</a:t>
-              </a:r>
-              <a:r>
-                <a:rPr lang="zh-CN" altLang="en-US" sz="1400" dirty="0" smtClean="0">
-                  <a:solidFill>
-                    <a:schemeClr val="tx1">
-                      <a:lumMod val="75000"/>
-                      <a:lumOff val="25000"/>
-                    </a:schemeClr>
-                  </a:solidFill>
-                  <a:latin typeface="微软雅黑" panose="020B0503020204020204" pitchFamily="34" charset="-122"/>
-                  <a:ea typeface="微软雅黑" panose="020B0503020204020204" pitchFamily="34" charset="-122"/>
-                </a:rPr>
-                <a:t>的</a:t>
+                <a:t>，处理发布环境的</a:t>
               </a:r>
               <a:r>
                 <a:rPr lang="en-US" altLang="zh-CN" sz="1400" dirty="0" err="1" smtClean="0">
@@ -11936,33 +11898,7 @@
                   <a:latin typeface="微软雅黑" panose="020B0503020204020204" pitchFamily="34" charset="-122"/>
                   <a:ea typeface="微软雅黑" panose="020B0503020204020204" pitchFamily="34" charset="-122"/>
                 </a:rPr>
-                <a:t>端和移动</a:t>
-              </a:r>
-              <a:r>
-                <a:rPr lang="zh-CN" altLang="en-US" sz="1400" dirty="0" smtClean="0">
-                  <a:solidFill>
-                    <a:schemeClr val="tx1">
-                      <a:lumMod val="75000"/>
-                      <a:lumOff val="25000"/>
-                    </a:schemeClr>
-                  </a:solidFill>
-                  <a:latin typeface="微软雅黑" panose="020B0503020204020204" pitchFamily="34" charset="-122"/>
-                  <a:ea typeface="微软雅黑" panose="020B0503020204020204" pitchFamily="34" charset="-122"/>
-                </a:rPr>
-                <a:t>端可以同时使用</a:t>
-              </a:r>
-              <a:r>
-                <a:rPr lang="zh-CN" altLang="en-US" sz="1400" dirty="0" smtClean="0">
-                  <a:solidFill>
-                    <a:schemeClr val="tx1">
-                      <a:lumMod val="75000"/>
-                      <a:lumOff val="25000"/>
-                    </a:schemeClr>
-                  </a:solidFill>
-                  <a:latin typeface="微软雅黑" panose="020B0503020204020204" pitchFamily="34" charset="-122"/>
-                  <a:ea typeface="微软雅黑" panose="020B0503020204020204" pitchFamily="34" charset="-122"/>
-                </a:rPr>
-                <a:t>；</a:t>
+                <a:t>端和移动端可以同时使用；</a:t>
               </a:r>
               <a:endParaRPr lang="en-US" altLang="zh-CN" sz="1400" dirty="0">
                 <a:solidFill>
@@ -12308,20 +12244,7 @@
                   <a:latin typeface="微软雅黑" panose="020B0503020204020204" pitchFamily="34" charset="-122"/>
                   <a:ea typeface="微软雅黑" panose="020B0503020204020204" pitchFamily="34" charset="-122"/>
                 </a:rPr>
-                <a:t>模板</a:t>
-              </a:r>
-              <a:r>
-                <a:rPr lang="zh-CN" altLang="en-US" b="1" dirty="0" smtClean="0">
-                  <a:solidFill>
-                    <a:schemeClr val="tx1">
-                      <a:lumMod val="75000"/>
-                      <a:lumOff val="25000"/>
-                    </a:schemeClr>
-                  </a:solidFill>
-                  <a:latin typeface="微软雅黑" panose="020B0503020204020204" pitchFamily="34" charset="-122"/>
-                  <a:ea typeface="微软雅黑" panose="020B0503020204020204" pitchFamily="34" charset="-122"/>
-                </a:rPr>
-                <a:t>引擎</a:t>
+                <a:t>模板引擎</a:t>
               </a:r>
               <a:endParaRPr lang="zh-CN" altLang="en-US" b="1" dirty="0">
                 <a:solidFill>
@@ -12960,6 +12883,9 @@
   <p:clrMapOvr>
     <a:masterClrMapping/>
   </p:clrMapOvr>
+  <p:transition spd="slow">
+    <p:push dir="u"/>
+  </p:transition>
   <p:timing>
     <p:tnLst>
       <p:par>
@@ -13921,7 +13847,7 @@
 </p:sld>
 </file>
 
-<file path=ppt/slides/slide8.xml><?xml version="1.0" encoding="utf-8"?>
+<file path=ppt/slides/slide7.xml><?xml version="1.0" encoding="utf-8"?>
 <p:sld xmlns:a="http://schemas.openxmlformats.org/drawingml/2006/main" xmlns:r="http://schemas.openxmlformats.org/officeDocument/2006/relationships" xmlns:p="http://schemas.openxmlformats.org/presentationml/2006/main" showMasterSp="0">
   <p:cSld>
     <p:bg>
@@ -14232,6 +14158,9 @@
   <p:clrMapOvr>
     <a:masterClrMapping/>
   </p:clrMapOvr>
+  <p:transition spd="slow">
+    <p:push dir="u"/>
+  </p:transition>
   <p:timing>
     <p:tnLst>
       <p:par>
@@ -14256,7 +14185,7 @@
                             </p:stCondLst>
                             <p:childTnLst>
                               <p:par>
-                                <p:cTn id="5" presetID="2" presetClass="entr" presetSubtype="1" fill="hold" nodeType="withEffect">
+                                <p:cTn id="5" presetID="2" presetClass="entr" presetSubtype="8" fill="hold" grpId="0" nodeType="afterEffect">
                                   <p:stCondLst>
                                     <p:cond delay="0"/>
                                   </p:stCondLst>
@@ -14264,88 +14193,6 @@
                                     <p:set>
                                       <p:cBhvr>
                                         <p:cTn id="6" dur="1" fill="hold">
-                                          <p:stCondLst>
-                                            <p:cond delay="0"/>
-                                          </p:stCondLst>
-                                        </p:cTn>
-                                        <p:tgtEl>
-                                          <p:spTgt spid="9"/>
-                                        </p:tgtEl>
-                                        <p:attrNameLst>
-                                          <p:attrName>style.visibility</p:attrName>
-                                        </p:attrNameLst>
-                                      </p:cBhvr>
-                                      <p:to>
-                                        <p:strVal val="visible"/>
-                                      </p:to>
-                                    </p:set>
-                                    <p:anim calcmode="lin" valueType="num">
-                                      <p:cBhvr additive="base">
-                                        <p:cTn id="7" dur="500" fill="hold"/>
-                                        <p:tgtEl>
-                                          <p:spTgt spid="9"/>
-                                        </p:tgtEl>
-                                        <p:attrNameLst>
-                                          <p:attrName>ppt_x</p:attrName>
-                                        </p:attrNameLst>
-                                      </p:cBhvr>
-                                      <p:tavLst>
-                                        <p:tav tm="0">
-                                          <p:val>
-                                            <p:strVal val="#ppt_x"/>
-                                          </p:val>
-                                        </p:tav>
-                                        <p:tav tm="100000">
-                                          <p:val>
-                                            <p:strVal val="#ppt_x"/>
-                                          </p:val>
-                                        </p:tav>
-                                      </p:tavLst>
-                                    </p:anim>
-                                    <p:anim calcmode="lin" valueType="num">
-                                      <p:cBhvr additive="base">
-                                        <p:cTn id="8" dur="500" fill="hold"/>
-                                        <p:tgtEl>
-                                          <p:spTgt spid="9"/>
-                                        </p:tgtEl>
-                                        <p:attrNameLst>
-                                          <p:attrName>ppt_y</p:attrName>
-                                        </p:attrNameLst>
-                                      </p:cBhvr>
-                                      <p:tavLst>
-                                        <p:tav tm="0">
-                                          <p:val>
-                                            <p:strVal val="0-#ppt_h/2"/>
-                                          </p:val>
-                                        </p:tav>
-                                        <p:tav tm="100000">
-                                          <p:val>
-                                            <p:strVal val="#ppt_y"/>
-                                          </p:val>
-                                        </p:tav>
-                                      </p:tavLst>
-                                    </p:anim>
-                                  </p:childTnLst>
-                                </p:cTn>
-                              </p:par>
-                            </p:childTnLst>
-                          </p:cTn>
-                        </p:par>
-                        <p:par>
-                          <p:cTn id="9" fill="hold">
-                            <p:stCondLst>
-                              <p:cond delay="500"/>
-                            </p:stCondLst>
-                            <p:childTnLst>
-                              <p:par>
-                                <p:cTn id="10" presetID="2" presetClass="entr" presetSubtype="8" fill="hold" grpId="0" nodeType="afterEffect">
-                                  <p:stCondLst>
-                                    <p:cond delay="0"/>
-                                  </p:stCondLst>
-                                  <p:childTnLst>
-                                    <p:set>
-                                      <p:cBhvr>
-                                        <p:cTn id="11" dur="1" fill="hold">
                                           <p:stCondLst>
                                             <p:cond delay="0"/>
                                           </p:stCondLst>
@@ -14363,7 +14210,7 @@
                                     </p:set>
                                     <p:anim calcmode="lin" valueType="num">
                                       <p:cBhvr additive="base">
-                                        <p:cTn id="12" dur="500" fill="hold"/>
+                                        <p:cTn id="7" dur="500" fill="hold"/>
                                         <p:tgtEl>
                                           <p:spTgt spid="7"/>
                                         </p:tgtEl>
@@ -14386,7 +14233,7 @@
                                     </p:anim>
                                     <p:anim calcmode="lin" valueType="num">
                                       <p:cBhvr additive="base">
-                                        <p:cTn id="13" dur="500" fill="hold"/>
+                                        <p:cTn id="8" dur="500" fill="hold"/>
                                         <p:tgtEl>
                                           <p:spTgt spid="7"/>
                                         </p:tgtEl>
@@ -14414,20 +14261,20 @@
                           </p:cTn>
                         </p:par>
                         <p:par>
-                          <p:cTn id="14" fill="hold">
+                          <p:cTn id="9" fill="hold">
                             <p:stCondLst>
-                              <p:cond delay="1000"/>
+                              <p:cond delay="500"/>
                             </p:stCondLst>
                             <p:childTnLst>
                               <p:par>
-                                <p:cTn id="15" presetID="2" presetClass="entr" presetSubtype="2" fill="hold" grpId="0" nodeType="afterEffect">
+                                <p:cTn id="10" presetID="2" presetClass="entr" presetSubtype="2" fill="hold" grpId="0" nodeType="afterEffect">
                                   <p:stCondLst>
                                     <p:cond delay="250"/>
                                   </p:stCondLst>
                                   <p:childTnLst>
                                     <p:set>
                                       <p:cBhvr>
-                                        <p:cTn id="16" dur="1" fill="hold">
+                                        <p:cTn id="11" dur="1" fill="hold">
                                           <p:stCondLst>
                                             <p:cond delay="0"/>
                                           </p:stCondLst>
@@ -14445,7 +14292,7 @@
                                     </p:set>
                                     <p:anim calcmode="lin" valueType="num">
                                       <p:cBhvr additive="base">
-                                        <p:cTn id="17" dur="500" fill="hold"/>
+                                        <p:cTn id="12" dur="500" fill="hold"/>
                                         <p:tgtEl>
                                           <p:spTgt spid="8"/>
                                         </p:tgtEl>
@@ -14468,7 +14315,7 @@
                                     </p:anim>
                                     <p:anim calcmode="lin" valueType="num">
                                       <p:cBhvr additive="base">
-                                        <p:cTn id="18" dur="500" fill="hold"/>
+                                        <p:cTn id="13" dur="500" fill="hold"/>
                                         <p:tgtEl>
                                           <p:spTgt spid="8"/>
                                         </p:tgtEl>
@@ -14527,7 +14374,7 @@
 </p:sld>
 </file>
 
-<file path=ppt/slides/slide9.xml><?xml version="1.0" encoding="utf-8"?>
+<file path=ppt/slides/slide8.xml><?xml version="1.0" encoding="utf-8"?>
 <p:sld xmlns:a="http://schemas.openxmlformats.org/drawingml/2006/main" xmlns:r="http://schemas.openxmlformats.org/officeDocument/2006/relationships" xmlns:p="http://schemas.openxmlformats.org/presentationml/2006/main">
   <p:cSld>
     <p:spTree>
@@ -14554,6 +14401,9 @@
   <p:clrMapOvr>
     <a:masterClrMapping/>
   </p:clrMapOvr>
+  <p:transition spd="slow">
+    <p:push dir="u"/>
+  </p:transition>
   <p:timing>
     <p:tnLst>
       <p:par>

--- a/2016工作总结及2017年工作计划_刘泽.pptx
+++ b/2016工作总结及2017年工作计划_刘泽.pptx
@@ -2049,7 +2049,7 @@
         </p:nvSpPr>
         <p:spPr>
           <a:xfrm>
-            <a:off x="2110593" y="2591555"/>
+            <a:off x="2110593" y="2117105"/>
             <a:ext cx="7955756" cy="722476"/>
           </a:xfrm>
         </p:spPr>
@@ -2061,10 +2061,10 @@
           <a:p>
             <a:pPr algn="ctr"/>
             <a:r>
-              <a:rPr lang="en-US" altLang="zh-CN" dirty="0">
+              <a:rPr lang="en-US" altLang="zh-CN" dirty="0" smtClean="0">
                 <a:latin typeface="+mn-ea"/>
               </a:rPr>
-              <a:t>《2016</a:t>
+              <a:t>2016</a:t>
             </a:r>
             <a:r>
               <a:rPr lang="zh-CN" altLang="en-US" dirty="0">
@@ -2082,13 +2082,13 @@
               <a:rPr lang="zh-CN" altLang="en-US" dirty="0">
                 <a:latin typeface="+mn-ea"/>
               </a:rPr>
-              <a:t>年工作总结</a:t>
+              <a:t>年</a:t>
             </a:r>
             <a:r>
-              <a:rPr lang="en-US" altLang="zh-CN" dirty="0">
+              <a:rPr lang="zh-CN" altLang="en-US" dirty="0" smtClean="0">
                 <a:latin typeface="+mn-ea"/>
               </a:rPr>
-              <a:t>》</a:t>
+              <a:t>工作总结</a:t>
             </a:r>
             <a:endParaRPr lang="zh-CN" altLang="en-US" dirty="0"/>
           </a:p>
@@ -2106,7 +2106,7 @@
         </p:nvSpPr>
         <p:spPr>
           <a:xfrm>
-            <a:off x="1524000" y="3942294"/>
+            <a:off x="1516471" y="3614490"/>
             <a:ext cx="9144000" cy="1655762"/>
           </a:xfrm>
         </p:spPr>
@@ -2138,11 +2138,11 @@
   <p:clrMapOvr>
     <a:masterClrMapping/>
   </p:clrMapOvr>
-  <mc:AlternateContent xmlns:mc="http://schemas.openxmlformats.org/markup-compatibility/2006">
-    <mc:Choice xmlns:p14="http://schemas.microsoft.com/office/powerpoint/2010/main" Requires="p14">
+  <mc:AlternateContent xmlns:mc="http://schemas.openxmlformats.org/markup-compatibility/2006" xmlns:p14="http://schemas.microsoft.com/office/powerpoint/2010/main">
+    <mc:Choice Requires="p14">
       <p:transition p14:dur="0"/>
     </mc:Choice>
-    <mc:Fallback>
+    <mc:Fallback xmlns="">
       <p:transition/>
     </mc:Fallback>
   </mc:AlternateContent>
@@ -4028,7 +4028,7 @@
         <p:spPr>
           <a:xfrm>
             <a:off x="3170306" y="1814528"/>
-            <a:ext cx="2627915" cy="905248"/>
+            <a:ext cx="2627915" cy="932563"/>
           </a:xfrm>
           <a:prstGeom prst="rect">
             <a:avLst/>
@@ -4070,7 +4070,7 @@
                 <a:latin typeface="微软雅黑" panose="020B0503020204020204" pitchFamily="34" charset="-122"/>
                 <a:ea typeface="微软雅黑" panose="020B0503020204020204" pitchFamily="34" charset="-122"/>
               </a:rPr>
-              <a:t>项目前端工作，</a:t>
+              <a:t>项目的前端工作，</a:t>
             </a:r>
             <a:r>
               <a:rPr lang="zh-CN" altLang="en-US" sz="1400" dirty="0">
@@ -6720,7 +6720,7 @@
         </p:nvSpPr>
         <p:spPr>
           <a:xfrm>
-            <a:off x="1166309" y="4019139"/>
+            <a:off x="1088673" y="4019139"/>
             <a:ext cx="2508126" cy="372410"/>
           </a:xfrm>
           <a:prstGeom prst="rect">

--- a/2016工作总结及2017年工作计划_刘泽.pptx
+++ b/2016工作总结及2017年工作计划_刘泽.pptx
@@ -7,12 +7,13 @@
   <p:sldIdLst>
     <p:sldId id="260" r:id="rId2"/>
     <p:sldId id="261" r:id="rId3"/>
-    <p:sldId id="273" r:id="rId4"/>
-    <p:sldId id="270" r:id="rId5"/>
-    <p:sldId id="271" r:id="rId6"/>
-    <p:sldId id="267" r:id="rId7"/>
-    <p:sldId id="269" r:id="rId8"/>
-    <p:sldId id="262" r:id="rId9"/>
+    <p:sldId id="274" r:id="rId4"/>
+    <p:sldId id="273" r:id="rId5"/>
+    <p:sldId id="270" r:id="rId6"/>
+    <p:sldId id="271" r:id="rId7"/>
+    <p:sldId id="267" r:id="rId8"/>
+    <p:sldId id="269" r:id="rId9"/>
+    <p:sldId id="262" r:id="rId10"/>
   </p:sldIdLst>
   <p:sldSz cx="12192000" cy="6858000"/>
   <p:notesSz cx="6858000" cy="9144000"/>
@@ -633,7 +634,7 @@
           <a:p>
             <a:fld id="{F05646D4-654B-6244-BA82-A1077B1315AD}" type="datetimeFigureOut">
               <a:rPr kumimoji="1" lang="zh-CN" altLang="en-US" smtClean="0"/>
-              <a:t>2017/2/15 Wednesday</a:t>
+              <a:t>2017/2/16 Thursday</a:t>
             </a:fld>
             <a:endParaRPr kumimoji="1" lang="zh-CN" altLang="en-US"/>
           </a:p>
@@ -987,7 +988,7 @@
           <a:p>
             <a:fld id="{F05646D4-654B-6244-BA82-A1077B1315AD}" type="datetimeFigureOut">
               <a:rPr kumimoji="1" lang="zh-CN" altLang="en-US" smtClean="0"/>
-              <a:t>2017/2/15 Wednesday</a:t>
+              <a:t>2017/2/16 Thursday</a:t>
             </a:fld>
             <a:endParaRPr kumimoji="1" lang="zh-CN" altLang="en-US"/>
           </a:p>
@@ -1238,7 +1239,7 @@
           <a:p>
             <a:fld id="{F05646D4-654B-6244-BA82-A1077B1315AD}" type="datetimeFigureOut">
               <a:rPr kumimoji="1" lang="zh-CN" altLang="en-US" smtClean="0"/>
-              <a:t>2017/2/15 Wednesday</a:t>
+              <a:t>2017/2/16 Thursday</a:t>
             </a:fld>
             <a:endParaRPr kumimoji="1" lang="zh-CN" altLang="en-US"/>
           </a:p>
@@ -1632,7 +1633,7 @@
           <a:p>
             <a:fld id="{F05646D4-654B-6244-BA82-A1077B1315AD}" type="datetimeFigureOut">
               <a:rPr kumimoji="1" lang="zh-CN" altLang="en-US" smtClean="0"/>
-              <a:t>2017/2/15 Wednesday</a:t>
+              <a:t>2017/2/16 Thursday</a:t>
             </a:fld>
             <a:endParaRPr kumimoji="1" lang="zh-CN" altLang="en-US"/>
           </a:p>
@@ -2255,6 +2256,1268 @@
           <a:chExt cx="0" cy="0"/>
         </a:xfrm>
       </p:grpSpPr>
+      <p:grpSp>
+        <p:nvGrpSpPr>
+          <p:cNvPr id="26" name="组合 25"/>
+          <p:cNvGrpSpPr/>
+          <p:nvPr/>
+        </p:nvGrpSpPr>
+        <p:grpSpPr>
+          <a:xfrm>
+            <a:off x="8488143" y="1802577"/>
+            <a:ext cx="1634899" cy="2837938"/>
+            <a:chOff x="2123734" y="1086589"/>
+            <a:chExt cx="1634899" cy="2837938"/>
+          </a:xfrm>
+        </p:grpSpPr>
+        <p:sp>
+          <p:nvSpPr>
+            <p:cNvPr id="27" name="圆角矩形 26"/>
+            <p:cNvSpPr/>
+            <p:nvPr/>
+          </p:nvSpPr>
+          <p:spPr>
+            <a:xfrm>
+              <a:off x="2123734" y="1086589"/>
+              <a:ext cx="1634899" cy="2837938"/>
+            </a:xfrm>
+            <a:prstGeom prst="roundRect">
+              <a:avLst>
+                <a:gd name="adj" fmla="val 3459"/>
+              </a:avLst>
+            </a:prstGeom>
+            <a:solidFill>
+              <a:srgbClr val="107ECB"/>
+            </a:solidFill>
+            <a:ln>
+              <a:noFill/>
+            </a:ln>
+          </p:spPr>
+          <p:style>
+            <a:lnRef idx="2">
+              <a:schemeClr val="accent1">
+                <a:shade val="50000"/>
+              </a:schemeClr>
+            </a:lnRef>
+            <a:fillRef idx="1">
+              <a:schemeClr val="accent1"/>
+            </a:fillRef>
+            <a:effectRef idx="0">
+              <a:schemeClr val="accent1"/>
+            </a:effectRef>
+            <a:fontRef idx="minor">
+              <a:schemeClr val="lt1"/>
+            </a:fontRef>
+          </p:style>
+          <p:txBody>
+            <a:bodyPr rtlCol="0" anchor="ctr"/>
+            <a:lstStyle/>
+            <a:p>
+              <a:pPr algn="ctr"/>
+              <a:endParaRPr lang="zh-CN" altLang="en-US"/>
+            </a:p>
+          </p:txBody>
+        </p:sp>
+        <p:grpSp>
+          <p:nvGrpSpPr>
+            <p:cNvPr id="28" name="组合 27"/>
+            <p:cNvGrpSpPr/>
+            <p:nvPr/>
+          </p:nvGrpSpPr>
+          <p:grpSpPr>
+            <a:xfrm>
+              <a:off x="2163939" y="2421420"/>
+              <a:ext cx="1550339" cy="174931"/>
+              <a:chOff x="2178931" y="2402370"/>
+              <a:chExt cx="1550339" cy="174931"/>
+            </a:xfrm>
+            <a:solidFill>
+              <a:srgbClr val="B1E4E9"/>
+            </a:solidFill>
+          </p:grpSpPr>
+          <p:sp>
+            <p:nvSpPr>
+              <p:cNvPr id="30" name="矩形 29"/>
+              <p:cNvSpPr/>
+              <p:nvPr/>
+            </p:nvSpPr>
+            <p:spPr>
+              <a:xfrm>
+                <a:off x="2178931" y="2402370"/>
+                <a:ext cx="76886" cy="174931"/>
+              </a:xfrm>
+              <a:prstGeom prst="rect">
+                <a:avLst/>
+              </a:prstGeom>
+              <a:grpFill/>
+              <a:ln>
+                <a:noFill/>
+              </a:ln>
+            </p:spPr>
+            <p:style>
+              <a:lnRef idx="2">
+                <a:schemeClr val="accent1">
+                  <a:shade val="50000"/>
+                </a:schemeClr>
+              </a:lnRef>
+              <a:fillRef idx="1">
+                <a:schemeClr val="accent1"/>
+              </a:fillRef>
+              <a:effectRef idx="0">
+                <a:schemeClr val="accent1"/>
+              </a:effectRef>
+              <a:fontRef idx="minor">
+                <a:schemeClr val="lt1"/>
+              </a:fontRef>
+            </p:style>
+            <p:txBody>
+              <a:bodyPr rtlCol="0" anchor="ctr"/>
+              <a:lstStyle/>
+              <a:p>
+                <a:pPr algn="ctr"/>
+                <a:endParaRPr lang="zh-CN" altLang="en-US"/>
+              </a:p>
+            </p:txBody>
+          </p:sp>
+          <p:sp>
+            <p:nvSpPr>
+              <p:cNvPr id="31" name="矩形 30"/>
+              <p:cNvSpPr/>
+              <p:nvPr/>
+            </p:nvSpPr>
+            <p:spPr>
+              <a:xfrm>
+                <a:off x="3652384" y="2402370"/>
+                <a:ext cx="76886" cy="174931"/>
+              </a:xfrm>
+              <a:prstGeom prst="rect">
+                <a:avLst/>
+              </a:prstGeom>
+              <a:grpFill/>
+              <a:ln>
+                <a:noFill/>
+              </a:ln>
+            </p:spPr>
+            <p:style>
+              <a:lnRef idx="2">
+                <a:schemeClr val="accent1">
+                  <a:shade val="50000"/>
+                </a:schemeClr>
+              </a:lnRef>
+              <a:fillRef idx="1">
+                <a:schemeClr val="accent1"/>
+              </a:fillRef>
+              <a:effectRef idx="0">
+                <a:schemeClr val="accent1"/>
+              </a:effectRef>
+              <a:fontRef idx="minor">
+                <a:schemeClr val="lt1"/>
+              </a:fontRef>
+            </p:style>
+            <p:txBody>
+              <a:bodyPr rtlCol="0" anchor="ctr"/>
+              <a:lstStyle/>
+              <a:p>
+                <a:pPr algn="ctr"/>
+                <a:endParaRPr lang="zh-CN" altLang="en-US"/>
+              </a:p>
+            </p:txBody>
+          </p:sp>
+        </p:grpSp>
+        <p:cxnSp>
+          <p:nvCxnSpPr>
+            <p:cNvPr id="29" name="直接连接符 28"/>
+            <p:cNvCxnSpPr>
+              <a:stCxn id="27" idx="1"/>
+              <a:endCxn id="27" idx="3"/>
+            </p:cNvCxnSpPr>
+            <p:nvPr/>
+          </p:nvCxnSpPr>
+          <p:spPr>
+            <a:xfrm>
+              <a:off x="2123734" y="2505558"/>
+              <a:ext cx="1634899" cy="0"/>
+            </a:xfrm>
+            <a:prstGeom prst="line">
+              <a:avLst/>
+            </a:prstGeom>
+            <a:ln w="19050">
+              <a:solidFill>
+                <a:srgbClr val="B1E4E9"/>
+              </a:solidFill>
+            </a:ln>
+          </p:spPr>
+          <p:style>
+            <a:lnRef idx="1">
+              <a:schemeClr val="accent1"/>
+            </a:lnRef>
+            <a:fillRef idx="0">
+              <a:schemeClr val="accent1"/>
+            </a:fillRef>
+            <a:effectRef idx="0">
+              <a:schemeClr val="accent1"/>
+            </a:effectRef>
+            <a:fontRef idx="minor">
+              <a:schemeClr val="tx1"/>
+            </a:fontRef>
+          </p:style>
+        </p:cxnSp>
+      </p:grpSp>
+      <p:grpSp>
+        <p:nvGrpSpPr>
+          <p:cNvPr id="32" name="组合 31"/>
+          <p:cNvGrpSpPr/>
+          <p:nvPr/>
+        </p:nvGrpSpPr>
+        <p:grpSpPr>
+          <a:xfrm>
+            <a:off x="2068958" y="1485805"/>
+            <a:ext cx="1634899" cy="3154710"/>
+            <a:chOff x="2123734" y="769817"/>
+            <a:chExt cx="1634899" cy="3154710"/>
+          </a:xfrm>
+        </p:grpSpPr>
+        <p:sp>
+          <p:nvSpPr>
+            <p:cNvPr id="33" name="圆角矩形 32"/>
+            <p:cNvSpPr/>
+            <p:nvPr/>
+          </p:nvSpPr>
+          <p:spPr>
+            <a:xfrm>
+              <a:off x="2123734" y="1086589"/>
+              <a:ext cx="1634899" cy="2837938"/>
+            </a:xfrm>
+            <a:prstGeom prst="roundRect">
+              <a:avLst>
+                <a:gd name="adj" fmla="val 3459"/>
+              </a:avLst>
+            </a:prstGeom>
+            <a:solidFill>
+              <a:srgbClr val="107ECB"/>
+            </a:solidFill>
+            <a:ln>
+              <a:noFill/>
+            </a:ln>
+          </p:spPr>
+          <p:style>
+            <a:lnRef idx="2">
+              <a:schemeClr val="accent1">
+                <a:shade val="50000"/>
+              </a:schemeClr>
+            </a:lnRef>
+            <a:fillRef idx="1">
+              <a:schemeClr val="accent1"/>
+            </a:fillRef>
+            <a:effectRef idx="0">
+              <a:schemeClr val="accent1"/>
+            </a:effectRef>
+            <a:fontRef idx="minor">
+              <a:schemeClr val="lt1"/>
+            </a:fontRef>
+          </p:style>
+          <p:txBody>
+            <a:bodyPr rtlCol="0" anchor="ctr"/>
+            <a:lstStyle/>
+            <a:p>
+              <a:pPr algn="ctr"/>
+              <a:endParaRPr lang="zh-CN" altLang="en-US"/>
+            </a:p>
+          </p:txBody>
+        </p:sp>
+        <p:grpSp>
+          <p:nvGrpSpPr>
+            <p:cNvPr id="34" name="组合 33"/>
+            <p:cNvGrpSpPr/>
+            <p:nvPr/>
+          </p:nvGrpSpPr>
+          <p:grpSpPr>
+            <a:xfrm>
+              <a:off x="2163939" y="2421420"/>
+              <a:ext cx="1550339" cy="174931"/>
+              <a:chOff x="2178931" y="2402370"/>
+              <a:chExt cx="1550339" cy="174931"/>
+            </a:xfrm>
+            <a:solidFill>
+              <a:srgbClr val="B1E4E9"/>
+            </a:solidFill>
+          </p:grpSpPr>
+          <p:sp>
+            <p:nvSpPr>
+              <p:cNvPr id="38" name="矩形 37"/>
+              <p:cNvSpPr/>
+              <p:nvPr/>
+            </p:nvSpPr>
+            <p:spPr>
+              <a:xfrm>
+                <a:off x="2178931" y="2402370"/>
+                <a:ext cx="76886" cy="174931"/>
+              </a:xfrm>
+              <a:prstGeom prst="rect">
+                <a:avLst/>
+              </a:prstGeom>
+              <a:grpFill/>
+              <a:ln>
+                <a:noFill/>
+              </a:ln>
+            </p:spPr>
+            <p:style>
+              <a:lnRef idx="2">
+                <a:schemeClr val="accent1">
+                  <a:shade val="50000"/>
+                </a:schemeClr>
+              </a:lnRef>
+              <a:fillRef idx="1">
+                <a:schemeClr val="accent1"/>
+              </a:fillRef>
+              <a:effectRef idx="0">
+                <a:schemeClr val="accent1"/>
+              </a:effectRef>
+              <a:fontRef idx="minor">
+                <a:schemeClr val="lt1"/>
+              </a:fontRef>
+            </p:style>
+            <p:txBody>
+              <a:bodyPr rtlCol="0" anchor="ctr"/>
+              <a:lstStyle/>
+              <a:p>
+                <a:pPr algn="ctr"/>
+                <a:endParaRPr lang="zh-CN" altLang="en-US"/>
+              </a:p>
+            </p:txBody>
+          </p:sp>
+          <p:sp>
+            <p:nvSpPr>
+              <p:cNvPr id="39" name="矩形 38"/>
+              <p:cNvSpPr/>
+              <p:nvPr/>
+            </p:nvSpPr>
+            <p:spPr>
+              <a:xfrm>
+                <a:off x="3652384" y="2402370"/>
+                <a:ext cx="76886" cy="174931"/>
+              </a:xfrm>
+              <a:prstGeom prst="rect">
+                <a:avLst/>
+              </a:prstGeom>
+              <a:grpFill/>
+              <a:ln>
+                <a:noFill/>
+              </a:ln>
+            </p:spPr>
+            <p:style>
+              <a:lnRef idx="2">
+                <a:schemeClr val="accent1">
+                  <a:shade val="50000"/>
+                </a:schemeClr>
+              </a:lnRef>
+              <a:fillRef idx="1">
+                <a:schemeClr val="accent1"/>
+              </a:fillRef>
+              <a:effectRef idx="0">
+                <a:schemeClr val="accent1"/>
+              </a:effectRef>
+              <a:fontRef idx="minor">
+                <a:schemeClr val="lt1"/>
+              </a:fontRef>
+            </p:style>
+            <p:txBody>
+              <a:bodyPr rtlCol="0" anchor="ctr"/>
+              <a:lstStyle/>
+              <a:p>
+                <a:pPr algn="ctr"/>
+                <a:endParaRPr lang="zh-CN" altLang="en-US"/>
+              </a:p>
+            </p:txBody>
+          </p:sp>
+        </p:grpSp>
+        <p:cxnSp>
+          <p:nvCxnSpPr>
+            <p:cNvPr id="36" name="直接连接符 35"/>
+            <p:cNvCxnSpPr>
+              <a:stCxn id="33" idx="1"/>
+              <a:endCxn id="33" idx="3"/>
+            </p:cNvCxnSpPr>
+            <p:nvPr/>
+          </p:nvCxnSpPr>
+          <p:spPr>
+            <a:xfrm>
+              <a:off x="2123734" y="2505558"/>
+              <a:ext cx="1634899" cy="0"/>
+            </a:xfrm>
+            <a:prstGeom prst="line">
+              <a:avLst/>
+            </a:prstGeom>
+            <a:ln w="19050">
+              <a:solidFill>
+                <a:srgbClr val="B1E4E9"/>
+              </a:solidFill>
+            </a:ln>
+          </p:spPr>
+          <p:style>
+            <a:lnRef idx="1">
+              <a:schemeClr val="accent1"/>
+            </a:lnRef>
+            <a:fillRef idx="0">
+              <a:schemeClr val="accent1"/>
+            </a:fillRef>
+            <a:effectRef idx="0">
+              <a:schemeClr val="accent1"/>
+            </a:effectRef>
+            <a:fontRef idx="minor">
+              <a:schemeClr val="tx1"/>
+            </a:fontRef>
+          </p:style>
+        </p:cxnSp>
+        <p:sp>
+          <p:nvSpPr>
+            <p:cNvPr id="37" name="文本框 36"/>
+            <p:cNvSpPr txBox="1"/>
+            <p:nvPr/>
+          </p:nvSpPr>
+          <p:spPr>
+            <a:xfrm>
+              <a:off x="2208781" y="769817"/>
+              <a:ext cx="1460656" cy="3154710"/>
+            </a:xfrm>
+            <a:prstGeom prst="rect">
+              <a:avLst/>
+            </a:prstGeom>
+            <a:noFill/>
+          </p:spPr>
+          <p:txBody>
+            <a:bodyPr wrap="none" rtlCol="0" anchor="t">
+              <a:spAutoFit/>
+            </a:bodyPr>
+            <a:lstStyle/>
+            <a:p>
+              <a:r>
+                <a:rPr lang="en-US" altLang="zh-CN" sz="19900" dirty="0" smtClean="0">
+                  <a:solidFill>
+                    <a:schemeClr val="bg1"/>
+                  </a:solidFill>
+                  <a:latin typeface="方正姚体" panose="02010601030101010101" pitchFamily="2" charset="-122"/>
+                  <a:ea typeface="方正姚体" panose="02010601030101010101" pitchFamily="2" charset="-122"/>
+                </a:rPr>
+                <a:t>2</a:t>
+              </a:r>
+              <a:endParaRPr lang="zh-CN" altLang="en-US" sz="19900" dirty="0">
+                <a:solidFill>
+                  <a:schemeClr val="bg1"/>
+                </a:solidFill>
+                <a:latin typeface="方正姚体" panose="02010601030101010101" pitchFamily="2" charset="-122"/>
+                <a:ea typeface="方正姚体" panose="02010601030101010101" pitchFamily="2" charset="-122"/>
+              </a:endParaRPr>
+            </a:p>
+          </p:txBody>
+        </p:sp>
+      </p:grpSp>
+      <p:grpSp>
+        <p:nvGrpSpPr>
+          <p:cNvPr id="40" name="组合 39"/>
+          <p:cNvGrpSpPr/>
+          <p:nvPr/>
+        </p:nvGrpSpPr>
+        <p:grpSpPr>
+          <a:xfrm>
+            <a:off x="4208686" y="1485805"/>
+            <a:ext cx="1634899" cy="3154710"/>
+            <a:chOff x="2123734" y="769817"/>
+            <a:chExt cx="1634899" cy="3154710"/>
+          </a:xfrm>
+        </p:grpSpPr>
+        <p:sp>
+          <p:nvSpPr>
+            <p:cNvPr id="41" name="圆角矩形 40"/>
+            <p:cNvSpPr/>
+            <p:nvPr/>
+          </p:nvSpPr>
+          <p:spPr>
+            <a:xfrm>
+              <a:off x="2123734" y="1086589"/>
+              <a:ext cx="1634899" cy="2837938"/>
+            </a:xfrm>
+            <a:prstGeom prst="roundRect">
+              <a:avLst>
+                <a:gd name="adj" fmla="val 3459"/>
+              </a:avLst>
+            </a:prstGeom>
+            <a:solidFill>
+              <a:srgbClr val="107ECB"/>
+            </a:solidFill>
+            <a:ln>
+              <a:noFill/>
+            </a:ln>
+          </p:spPr>
+          <p:style>
+            <a:lnRef idx="2">
+              <a:schemeClr val="accent1">
+                <a:shade val="50000"/>
+              </a:schemeClr>
+            </a:lnRef>
+            <a:fillRef idx="1">
+              <a:schemeClr val="accent1"/>
+            </a:fillRef>
+            <a:effectRef idx="0">
+              <a:schemeClr val="accent1"/>
+            </a:effectRef>
+            <a:fontRef idx="minor">
+              <a:schemeClr val="lt1"/>
+            </a:fontRef>
+          </p:style>
+          <p:txBody>
+            <a:bodyPr rtlCol="0" anchor="ctr"/>
+            <a:lstStyle/>
+            <a:p>
+              <a:pPr algn="ctr"/>
+              <a:endParaRPr lang="zh-CN" altLang="en-US"/>
+            </a:p>
+          </p:txBody>
+        </p:sp>
+        <p:grpSp>
+          <p:nvGrpSpPr>
+            <p:cNvPr id="42" name="组合 41"/>
+            <p:cNvGrpSpPr/>
+            <p:nvPr/>
+          </p:nvGrpSpPr>
+          <p:grpSpPr>
+            <a:xfrm>
+              <a:off x="2163939" y="2421420"/>
+              <a:ext cx="1550339" cy="174931"/>
+              <a:chOff x="2178931" y="2402370"/>
+              <a:chExt cx="1550339" cy="174931"/>
+            </a:xfrm>
+            <a:solidFill>
+              <a:srgbClr val="B1E4E9"/>
+            </a:solidFill>
+          </p:grpSpPr>
+          <p:sp>
+            <p:nvSpPr>
+              <p:cNvPr id="45" name="矩形 44"/>
+              <p:cNvSpPr/>
+              <p:nvPr/>
+            </p:nvSpPr>
+            <p:spPr>
+              <a:xfrm>
+                <a:off x="2178931" y="2402370"/>
+                <a:ext cx="76886" cy="174931"/>
+              </a:xfrm>
+              <a:prstGeom prst="rect">
+                <a:avLst/>
+              </a:prstGeom>
+              <a:grpFill/>
+              <a:ln>
+                <a:noFill/>
+              </a:ln>
+            </p:spPr>
+            <p:style>
+              <a:lnRef idx="2">
+                <a:schemeClr val="accent1">
+                  <a:shade val="50000"/>
+                </a:schemeClr>
+              </a:lnRef>
+              <a:fillRef idx="1">
+                <a:schemeClr val="accent1"/>
+              </a:fillRef>
+              <a:effectRef idx="0">
+                <a:schemeClr val="accent1"/>
+              </a:effectRef>
+              <a:fontRef idx="minor">
+                <a:schemeClr val="lt1"/>
+              </a:fontRef>
+            </p:style>
+            <p:txBody>
+              <a:bodyPr rtlCol="0" anchor="ctr"/>
+              <a:lstStyle/>
+              <a:p>
+                <a:pPr algn="ctr"/>
+                <a:endParaRPr lang="zh-CN" altLang="en-US"/>
+              </a:p>
+            </p:txBody>
+          </p:sp>
+          <p:sp>
+            <p:nvSpPr>
+              <p:cNvPr id="46" name="矩形 45"/>
+              <p:cNvSpPr/>
+              <p:nvPr/>
+            </p:nvSpPr>
+            <p:spPr>
+              <a:xfrm>
+                <a:off x="3652384" y="2402370"/>
+                <a:ext cx="76886" cy="174931"/>
+              </a:xfrm>
+              <a:prstGeom prst="rect">
+                <a:avLst/>
+              </a:prstGeom>
+              <a:grpFill/>
+              <a:ln>
+                <a:noFill/>
+              </a:ln>
+            </p:spPr>
+            <p:style>
+              <a:lnRef idx="2">
+                <a:schemeClr val="accent1">
+                  <a:shade val="50000"/>
+                </a:schemeClr>
+              </a:lnRef>
+              <a:fillRef idx="1">
+                <a:schemeClr val="accent1"/>
+              </a:fillRef>
+              <a:effectRef idx="0">
+                <a:schemeClr val="accent1"/>
+              </a:effectRef>
+              <a:fontRef idx="minor">
+                <a:schemeClr val="lt1"/>
+              </a:fontRef>
+            </p:style>
+            <p:txBody>
+              <a:bodyPr rtlCol="0" anchor="ctr"/>
+              <a:lstStyle/>
+              <a:p>
+                <a:pPr algn="ctr"/>
+                <a:endParaRPr lang="zh-CN" altLang="en-US"/>
+              </a:p>
+            </p:txBody>
+          </p:sp>
+        </p:grpSp>
+        <p:cxnSp>
+          <p:nvCxnSpPr>
+            <p:cNvPr id="43" name="直接连接符 42"/>
+            <p:cNvCxnSpPr>
+              <a:stCxn id="41" idx="1"/>
+              <a:endCxn id="41" idx="3"/>
+            </p:cNvCxnSpPr>
+            <p:nvPr/>
+          </p:nvCxnSpPr>
+          <p:spPr>
+            <a:xfrm>
+              <a:off x="2123734" y="2505558"/>
+              <a:ext cx="1634899" cy="0"/>
+            </a:xfrm>
+            <a:prstGeom prst="line">
+              <a:avLst/>
+            </a:prstGeom>
+            <a:ln w="19050">
+              <a:solidFill>
+                <a:srgbClr val="B1E4E9"/>
+              </a:solidFill>
+            </a:ln>
+          </p:spPr>
+          <p:style>
+            <a:lnRef idx="1">
+              <a:schemeClr val="accent1"/>
+            </a:lnRef>
+            <a:fillRef idx="0">
+              <a:schemeClr val="accent1"/>
+            </a:fillRef>
+            <a:effectRef idx="0">
+              <a:schemeClr val="accent1"/>
+            </a:effectRef>
+            <a:fontRef idx="minor">
+              <a:schemeClr val="tx1"/>
+            </a:fontRef>
+          </p:style>
+        </p:cxnSp>
+        <p:sp>
+          <p:nvSpPr>
+            <p:cNvPr id="44" name="文本框 43"/>
+            <p:cNvSpPr txBox="1"/>
+            <p:nvPr/>
+          </p:nvSpPr>
+          <p:spPr>
+            <a:xfrm>
+              <a:off x="2208781" y="769817"/>
+              <a:ext cx="1460656" cy="3154710"/>
+            </a:xfrm>
+            <a:prstGeom prst="rect">
+              <a:avLst/>
+            </a:prstGeom>
+            <a:noFill/>
+          </p:spPr>
+          <p:txBody>
+            <a:bodyPr wrap="none" rtlCol="0" anchor="t">
+              <a:spAutoFit/>
+            </a:bodyPr>
+            <a:lstStyle/>
+            <a:p>
+              <a:r>
+                <a:rPr lang="en-US" altLang="zh-CN" sz="19900" dirty="0" smtClean="0">
+                  <a:solidFill>
+                    <a:schemeClr val="bg1"/>
+                  </a:solidFill>
+                  <a:latin typeface="方正姚体" panose="02010601030101010101" pitchFamily="2" charset="-122"/>
+                  <a:ea typeface="方正姚体" panose="02010601030101010101" pitchFamily="2" charset="-122"/>
+                </a:rPr>
+                <a:t>0</a:t>
+              </a:r>
+              <a:endParaRPr lang="zh-CN" altLang="en-US" sz="19900" dirty="0">
+                <a:solidFill>
+                  <a:schemeClr val="bg1"/>
+                </a:solidFill>
+                <a:latin typeface="方正姚体" panose="02010601030101010101" pitchFamily="2" charset="-122"/>
+                <a:ea typeface="方正姚体" panose="02010601030101010101" pitchFamily="2" charset="-122"/>
+              </a:endParaRPr>
+            </a:p>
+          </p:txBody>
+        </p:sp>
+      </p:grpSp>
+      <p:grpSp>
+        <p:nvGrpSpPr>
+          <p:cNvPr id="47" name="组合 46"/>
+          <p:cNvGrpSpPr/>
+          <p:nvPr/>
+        </p:nvGrpSpPr>
+        <p:grpSpPr>
+          <a:xfrm>
+            <a:off x="6348414" y="1485805"/>
+            <a:ext cx="1634899" cy="3154710"/>
+            <a:chOff x="2123734" y="769817"/>
+            <a:chExt cx="1634899" cy="3154710"/>
+          </a:xfrm>
+        </p:grpSpPr>
+        <p:sp>
+          <p:nvSpPr>
+            <p:cNvPr id="48" name="圆角矩形 47"/>
+            <p:cNvSpPr/>
+            <p:nvPr/>
+          </p:nvSpPr>
+          <p:spPr>
+            <a:xfrm>
+              <a:off x="2123734" y="1086589"/>
+              <a:ext cx="1634899" cy="2837938"/>
+            </a:xfrm>
+            <a:prstGeom prst="roundRect">
+              <a:avLst>
+                <a:gd name="adj" fmla="val 3459"/>
+              </a:avLst>
+            </a:prstGeom>
+            <a:solidFill>
+              <a:srgbClr val="107ECB"/>
+            </a:solidFill>
+            <a:ln>
+              <a:noFill/>
+            </a:ln>
+          </p:spPr>
+          <p:style>
+            <a:lnRef idx="2">
+              <a:schemeClr val="accent1">
+                <a:shade val="50000"/>
+              </a:schemeClr>
+            </a:lnRef>
+            <a:fillRef idx="1">
+              <a:schemeClr val="accent1"/>
+            </a:fillRef>
+            <a:effectRef idx="0">
+              <a:schemeClr val="accent1"/>
+            </a:effectRef>
+            <a:fontRef idx="minor">
+              <a:schemeClr val="lt1"/>
+            </a:fontRef>
+          </p:style>
+          <p:txBody>
+            <a:bodyPr rtlCol="0" anchor="ctr"/>
+            <a:lstStyle/>
+            <a:p>
+              <a:pPr algn="ctr"/>
+              <a:endParaRPr lang="zh-CN" altLang="en-US"/>
+            </a:p>
+          </p:txBody>
+        </p:sp>
+        <p:grpSp>
+          <p:nvGrpSpPr>
+            <p:cNvPr id="61" name="组合 60"/>
+            <p:cNvGrpSpPr/>
+            <p:nvPr/>
+          </p:nvGrpSpPr>
+          <p:grpSpPr>
+            <a:xfrm>
+              <a:off x="2163939" y="2421420"/>
+              <a:ext cx="1550339" cy="174931"/>
+              <a:chOff x="2178931" y="2402370"/>
+              <a:chExt cx="1550339" cy="174931"/>
+            </a:xfrm>
+            <a:solidFill>
+              <a:srgbClr val="B1E4E9"/>
+            </a:solidFill>
+          </p:grpSpPr>
+          <p:sp>
+            <p:nvSpPr>
+              <p:cNvPr id="66" name="矩形 65"/>
+              <p:cNvSpPr/>
+              <p:nvPr/>
+            </p:nvSpPr>
+            <p:spPr>
+              <a:xfrm>
+                <a:off x="2178931" y="2402370"/>
+                <a:ext cx="76886" cy="174931"/>
+              </a:xfrm>
+              <a:prstGeom prst="rect">
+                <a:avLst/>
+              </a:prstGeom>
+              <a:grpFill/>
+              <a:ln>
+                <a:noFill/>
+              </a:ln>
+            </p:spPr>
+            <p:style>
+              <a:lnRef idx="2">
+                <a:schemeClr val="accent1">
+                  <a:shade val="50000"/>
+                </a:schemeClr>
+              </a:lnRef>
+              <a:fillRef idx="1">
+                <a:schemeClr val="accent1"/>
+              </a:fillRef>
+              <a:effectRef idx="0">
+                <a:schemeClr val="accent1"/>
+              </a:effectRef>
+              <a:fontRef idx="minor">
+                <a:schemeClr val="lt1"/>
+              </a:fontRef>
+            </p:style>
+            <p:txBody>
+              <a:bodyPr rtlCol="0" anchor="ctr"/>
+              <a:lstStyle/>
+              <a:p>
+                <a:pPr algn="ctr"/>
+                <a:endParaRPr lang="zh-CN" altLang="en-US"/>
+              </a:p>
+            </p:txBody>
+          </p:sp>
+          <p:sp>
+            <p:nvSpPr>
+              <p:cNvPr id="67" name="矩形 66"/>
+              <p:cNvSpPr/>
+              <p:nvPr/>
+            </p:nvSpPr>
+            <p:spPr>
+              <a:xfrm>
+                <a:off x="3652384" y="2402370"/>
+                <a:ext cx="76886" cy="174931"/>
+              </a:xfrm>
+              <a:prstGeom prst="rect">
+                <a:avLst/>
+              </a:prstGeom>
+              <a:grpFill/>
+              <a:ln>
+                <a:noFill/>
+              </a:ln>
+            </p:spPr>
+            <p:style>
+              <a:lnRef idx="2">
+                <a:schemeClr val="accent1">
+                  <a:shade val="50000"/>
+                </a:schemeClr>
+              </a:lnRef>
+              <a:fillRef idx="1">
+                <a:schemeClr val="accent1"/>
+              </a:fillRef>
+              <a:effectRef idx="0">
+                <a:schemeClr val="accent1"/>
+              </a:effectRef>
+              <a:fontRef idx="minor">
+                <a:schemeClr val="lt1"/>
+              </a:fontRef>
+            </p:style>
+            <p:txBody>
+              <a:bodyPr rtlCol="0" anchor="ctr"/>
+              <a:lstStyle/>
+              <a:p>
+                <a:pPr algn="ctr"/>
+                <a:endParaRPr lang="zh-CN" altLang="en-US"/>
+              </a:p>
+            </p:txBody>
+          </p:sp>
+        </p:grpSp>
+        <p:cxnSp>
+          <p:nvCxnSpPr>
+            <p:cNvPr id="62" name="直接连接符 61"/>
+            <p:cNvCxnSpPr>
+              <a:stCxn id="48" idx="1"/>
+              <a:endCxn id="48" idx="3"/>
+            </p:cNvCxnSpPr>
+            <p:nvPr/>
+          </p:nvCxnSpPr>
+          <p:spPr>
+            <a:xfrm>
+              <a:off x="2123734" y="2505558"/>
+              <a:ext cx="1634899" cy="0"/>
+            </a:xfrm>
+            <a:prstGeom prst="line">
+              <a:avLst/>
+            </a:prstGeom>
+            <a:ln w="19050">
+              <a:solidFill>
+                <a:srgbClr val="B1E4E9"/>
+              </a:solidFill>
+            </a:ln>
+          </p:spPr>
+          <p:style>
+            <a:lnRef idx="1">
+              <a:schemeClr val="accent1"/>
+            </a:lnRef>
+            <a:fillRef idx="0">
+              <a:schemeClr val="accent1"/>
+            </a:fillRef>
+            <a:effectRef idx="0">
+              <a:schemeClr val="accent1"/>
+            </a:effectRef>
+            <a:fontRef idx="minor">
+              <a:schemeClr val="tx1"/>
+            </a:fontRef>
+          </p:style>
+        </p:cxnSp>
+        <p:sp>
+          <p:nvSpPr>
+            <p:cNvPr id="65" name="文本框 64"/>
+            <p:cNvSpPr txBox="1"/>
+            <p:nvPr/>
+          </p:nvSpPr>
+          <p:spPr>
+            <a:xfrm>
+              <a:off x="2208781" y="769817"/>
+              <a:ext cx="1460656" cy="3154710"/>
+            </a:xfrm>
+            <a:prstGeom prst="rect">
+              <a:avLst/>
+            </a:prstGeom>
+            <a:noFill/>
+          </p:spPr>
+          <p:txBody>
+            <a:bodyPr wrap="none" rtlCol="0" anchor="t">
+              <a:spAutoFit/>
+            </a:bodyPr>
+            <a:lstStyle/>
+            <a:p>
+              <a:r>
+                <a:rPr lang="en-US" altLang="zh-CN" sz="19900" dirty="0" smtClean="0">
+                  <a:solidFill>
+                    <a:schemeClr val="bg1"/>
+                  </a:solidFill>
+                  <a:latin typeface="方正姚体" panose="02010601030101010101" pitchFamily="2" charset="-122"/>
+                  <a:ea typeface="方正姚体" panose="02010601030101010101" pitchFamily="2" charset="-122"/>
+                </a:rPr>
+                <a:t>1</a:t>
+              </a:r>
+              <a:endParaRPr lang="zh-CN" altLang="en-US" sz="19900" dirty="0">
+                <a:solidFill>
+                  <a:schemeClr val="bg1"/>
+                </a:solidFill>
+                <a:latin typeface="方正姚体" panose="02010601030101010101" pitchFamily="2" charset="-122"/>
+                <a:ea typeface="方正姚体" panose="02010601030101010101" pitchFamily="2" charset="-122"/>
+              </a:endParaRPr>
+            </a:p>
+          </p:txBody>
+        </p:sp>
+      </p:grpSp>
+      <p:sp>
+        <p:nvSpPr>
+          <p:cNvPr id="2" name="文本框 1"/>
+          <p:cNvSpPr txBox="1"/>
+          <p:nvPr/>
+        </p:nvSpPr>
+        <p:spPr>
+          <a:xfrm>
+            <a:off x="8554226" y="1520315"/>
+            <a:ext cx="1550339" cy="6217087"/>
+          </a:xfrm>
+          <a:prstGeom prst="rect">
+            <a:avLst/>
+          </a:prstGeom>
+          <a:noFill/>
+        </p:spPr>
+        <p:txBody>
+          <a:bodyPr wrap="square" rtlCol="0">
+            <a:spAutoFit/>
+          </a:bodyPr>
+          <a:lstStyle/>
+          <a:p>
+            <a:r>
+              <a:rPr lang="en-US" altLang="zh-CN" sz="19900" dirty="0" smtClean="0">
+                <a:solidFill>
+                  <a:schemeClr val="bg1"/>
+                </a:solidFill>
+                <a:latin typeface="方正姚体" panose="02010601030101010101" pitchFamily="2" charset="-122"/>
+                <a:ea typeface="方正姚体" panose="02010601030101010101" pitchFamily="2" charset="-122"/>
+              </a:rPr>
+              <a:t>67</a:t>
+            </a:r>
+            <a:endParaRPr lang="zh-CN" altLang="en-US" sz="19900" dirty="0">
+              <a:solidFill>
+                <a:schemeClr val="bg1"/>
+              </a:solidFill>
+              <a:latin typeface="方正姚体" panose="02010601030101010101" pitchFamily="2" charset="-122"/>
+              <a:ea typeface="方正姚体" panose="02010601030101010101" pitchFamily="2" charset="-122"/>
+            </a:endParaRPr>
+          </a:p>
+        </p:txBody>
+      </p:sp>
+    </p:spTree>
+    <p:extLst>
+      <p:ext uri="{BB962C8B-B14F-4D97-AF65-F5344CB8AC3E}">
+        <p14:creationId xmlns:p14="http://schemas.microsoft.com/office/powerpoint/2010/main" val="396370642"/>
+      </p:ext>
+    </p:extLst>
+  </p:cSld>
+  <p:clrMapOvr>
+    <a:masterClrMapping/>
+  </p:clrMapOvr>
+  <p:transition spd="slow">
+    <p:push dir="u"/>
+  </p:transition>
+  <p:timing>
+    <p:tnLst>
+      <p:par>
+        <p:cTn id="1" dur="indefinite" restart="never" nodeType="tmRoot">
+          <p:childTnLst>
+            <p:seq concurrent="1" nextAc="seek">
+              <p:cTn id="2" dur="indefinite" nodeType="mainSeq">
+                <p:childTnLst>
+                  <p:par>
+                    <p:cTn id="3" fill="hold">
+                      <p:stCondLst>
+                        <p:cond delay="indefinite"/>
+                        <p:cond evt="onBegin" delay="0">
+                          <p:tn val="2"/>
+                        </p:cond>
+                      </p:stCondLst>
+                      <p:childTnLst>
+                        <p:par>
+                          <p:cTn id="4" fill="hold">
+                            <p:stCondLst>
+                              <p:cond delay="0"/>
+                            </p:stCondLst>
+                            <p:childTnLst>
+                              <p:par>
+                                <p:cTn id="5" presetID="10" presetClass="entr" presetSubtype="0" fill="hold" nodeType="withEffect">
+                                  <p:stCondLst>
+                                    <p:cond delay="0"/>
+                                  </p:stCondLst>
+                                  <p:childTnLst>
+                                    <p:set>
+                                      <p:cBhvr>
+                                        <p:cTn id="6" dur="1" fill="hold">
+                                          <p:stCondLst>
+                                            <p:cond delay="0"/>
+                                          </p:stCondLst>
+                                        </p:cTn>
+                                        <p:tgtEl>
+                                          <p:spTgt spid="32"/>
+                                        </p:tgtEl>
+                                        <p:attrNameLst>
+                                          <p:attrName>style.visibility</p:attrName>
+                                        </p:attrNameLst>
+                                      </p:cBhvr>
+                                      <p:to>
+                                        <p:strVal val="visible"/>
+                                      </p:to>
+                                    </p:set>
+                                    <p:animEffect transition="in" filter="fade">
+                                      <p:cBhvr>
+                                        <p:cTn id="7" dur="250"/>
+                                        <p:tgtEl>
+                                          <p:spTgt spid="32"/>
+                                        </p:tgtEl>
+                                      </p:cBhvr>
+                                    </p:animEffect>
+                                  </p:childTnLst>
+                                </p:cTn>
+                              </p:par>
+                              <p:par>
+                                <p:cTn id="8" presetID="10" presetClass="entr" presetSubtype="0" fill="hold" nodeType="withEffect">
+                                  <p:stCondLst>
+                                    <p:cond delay="250"/>
+                                  </p:stCondLst>
+                                  <p:childTnLst>
+                                    <p:set>
+                                      <p:cBhvr>
+                                        <p:cTn id="9" dur="1" fill="hold">
+                                          <p:stCondLst>
+                                            <p:cond delay="0"/>
+                                          </p:stCondLst>
+                                        </p:cTn>
+                                        <p:tgtEl>
+                                          <p:spTgt spid="40"/>
+                                        </p:tgtEl>
+                                        <p:attrNameLst>
+                                          <p:attrName>style.visibility</p:attrName>
+                                        </p:attrNameLst>
+                                      </p:cBhvr>
+                                      <p:to>
+                                        <p:strVal val="visible"/>
+                                      </p:to>
+                                    </p:set>
+                                    <p:animEffect transition="in" filter="fade">
+                                      <p:cBhvr>
+                                        <p:cTn id="10" dur="250"/>
+                                        <p:tgtEl>
+                                          <p:spTgt spid="40"/>
+                                        </p:tgtEl>
+                                      </p:cBhvr>
+                                    </p:animEffect>
+                                  </p:childTnLst>
+                                </p:cTn>
+                              </p:par>
+                              <p:par>
+                                <p:cTn id="11" presetID="10" presetClass="entr" presetSubtype="0" fill="hold" nodeType="withEffect">
+                                  <p:stCondLst>
+                                    <p:cond delay="500"/>
+                                  </p:stCondLst>
+                                  <p:childTnLst>
+                                    <p:set>
+                                      <p:cBhvr>
+                                        <p:cTn id="12" dur="1" fill="hold">
+                                          <p:stCondLst>
+                                            <p:cond delay="0"/>
+                                          </p:stCondLst>
+                                        </p:cTn>
+                                        <p:tgtEl>
+                                          <p:spTgt spid="47"/>
+                                        </p:tgtEl>
+                                        <p:attrNameLst>
+                                          <p:attrName>style.visibility</p:attrName>
+                                        </p:attrNameLst>
+                                      </p:cBhvr>
+                                      <p:to>
+                                        <p:strVal val="visible"/>
+                                      </p:to>
+                                    </p:set>
+                                    <p:animEffect transition="in" filter="fade">
+                                      <p:cBhvr>
+                                        <p:cTn id="13" dur="250"/>
+                                        <p:tgtEl>
+                                          <p:spTgt spid="47"/>
+                                        </p:tgtEl>
+                                      </p:cBhvr>
+                                    </p:animEffect>
+                                  </p:childTnLst>
+                                </p:cTn>
+                              </p:par>
+                              <p:par>
+                                <p:cTn id="14" presetID="10" presetClass="entr" presetSubtype="0" fill="hold" nodeType="withEffect">
+                                  <p:stCondLst>
+                                    <p:cond delay="750"/>
+                                  </p:stCondLst>
+                                  <p:childTnLst>
+                                    <p:set>
+                                      <p:cBhvr>
+                                        <p:cTn id="15" dur="1" fill="hold">
+                                          <p:stCondLst>
+                                            <p:cond delay="0"/>
+                                          </p:stCondLst>
+                                        </p:cTn>
+                                        <p:tgtEl>
+                                          <p:spTgt spid="26"/>
+                                        </p:tgtEl>
+                                        <p:attrNameLst>
+                                          <p:attrName>style.visibility</p:attrName>
+                                        </p:attrNameLst>
+                                      </p:cBhvr>
+                                      <p:to>
+                                        <p:strVal val="visible"/>
+                                      </p:to>
+                                    </p:set>
+                                    <p:animEffect transition="in" filter="fade">
+                                      <p:cBhvr>
+                                        <p:cTn id="16" dur="250"/>
+                                        <p:tgtEl>
+                                          <p:spTgt spid="26"/>
+                                        </p:tgtEl>
+                                      </p:cBhvr>
+                                    </p:animEffect>
+                                  </p:childTnLst>
+                                </p:cTn>
+                              </p:par>
+                            </p:childTnLst>
+                          </p:cTn>
+                        </p:par>
+                      </p:childTnLst>
+                    </p:cTn>
+                  </p:par>
+                  <p:par>
+                    <p:cTn id="17" fill="hold">
+                      <p:stCondLst>
+                        <p:cond delay="indefinite"/>
+                      </p:stCondLst>
+                      <p:childTnLst>
+                        <p:par>
+                          <p:cTn id="18" fill="hold">
+                            <p:stCondLst>
+                              <p:cond delay="0"/>
+                            </p:stCondLst>
+                            <p:childTnLst>
+                              <p:par>
+                                <p:cTn id="19" presetID="42" presetClass="path" presetSubtype="0" accel="50000" decel="50000" fill="hold" grpId="0" nodeType="clickEffect">
+                                  <p:stCondLst>
+                                    <p:cond delay="0"/>
+                                  </p:stCondLst>
+                                  <p:childTnLst>
+                                    <p:animMotion origin="layout" path="M 0 0 L 0 0.25 E" pathEditMode="relative" ptsTypes="">
+                                      <p:cBhvr>
+                                        <p:cTn id="20" dur="2000" fill="hold"/>
+                                        <p:tgtEl>
+                                          <p:spTgt spid="2"/>
+                                        </p:tgtEl>
+                                        <p:attrNameLst>
+                                          <p:attrName>ppt_x</p:attrName>
+                                          <p:attrName>ppt_y</p:attrName>
+                                        </p:attrNameLst>
+                                      </p:cBhvr>
+                                    </p:animMotion>
+                                  </p:childTnLst>
+                                </p:cTn>
+                              </p:par>
+                            </p:childTnLst>
+                          </p:cTn>
+                        </p:par>
+                      </p:childTnLst>
+                    </p:cTn>
+                  </p:par>
+                </p:childTnLst>
+              </p:cTn>
+              <p:prevCondLst>
+                <p:cond evt="onPrev" delay="0">
+                  <p:tgtEl>
+                    <p:sldTgt/>
+                  </p:tgtEl>
+                </p:cond>
+              </p:prevCondLst>
+              <p:nextCondLst>
+                <p:cond evt="onNext" delay="0">
+                  <p:tgtEl>
+                    <p:sldTgt/>
+                  </p:tgtEl>
+                </p:cond>
+              </p:nextCondLst>
+            </p:seq>
+          </p:childTnLst>
+        </p:cTn>
+      </p:par>
+    </p:tnLst>
+    <p:bldLst>
+      <p:bldP spid="2" grpId="0"/>
+    </p:bldLst>
+  </p:timing>
+</p:sld>
+</file>
+
+<file path=ppt/slides/slide3.xml><?xml version="1.0" encoding="utf-8"?>
+<p:sld xmlns:a="http://schemas.openxmlformats.org/drawingml/2006/main" xmlns:r="http://schemas.openxmlformats.org/officeDocument/2006/relationships" xmlns:p="http://schemas.openxmlformats.org/presentationml/2006/main" showMasterSp="0">
+  <p:cSld>
+    <p:spTree>
+      <p:nvGrpSpPr>
+        <p:cNvPr id="1" name=""/>
+        <p:cNvGrpSpPr/>
+        <p:nvPr/>
+      </p:nvGrpSpPr>
+      <p:grpSpPr>
+        <a:xfrm>
+          <a:off x="0" y="0"/>
+          <a:ext cx="0" cy="0"/>
+          <a:chOff x="0" y="0"/>
+          <a:chExt cx="0" cy="0"/>
+        </a:xfrm>
+      </p:grpSpPr>
       <p:pic>
         <p:nvPicPr>
           <p:cNvPr id="35" name="图片 34"/>
@@ -2270,7 +3533,7 @@
                 <a14:imgProps xmlns:a14="http://schemas.microsoft.com/office/drawing/2010/main">
                   <a14:imgLayer r:embed="rId3">
                     <a14:imgEffect>
-                      <a14:artisticBlur radius="4"/>
+                      <a14:artisticBlur radius="3"/>
                     </a14:imgEffect>
                   </a14:imgLayer>
                 </a14:imgProps>
@@ -3375,7 +4638,7 @@
     </p:spTree>
     <p:extLst>
       <p:ext uri="{BB962C8B-B14F-4D97-AF65-F5344CB8AC3E}">
-        <p14:creationId xmlns:p14="http://schemas.microsoft.com/office/powerpoint/2010/main" val="396370642"/>
+        <p14:creationId xmlns:p14="http://schemas.microsoft.com/office/powerpoint/2010/main" val="1485285144"/>
       </p:ext>
     </p:extLst>
   </p:cSld>
@@ -3758,7 +5021,7 @@
 </p:sld>
 </file>
 
-<file path=ppt/slides/slide3.xml><?xml version="1.0" encoding="utf-8"?>
+<file path=ppt/slides/slide4.xml><?xml version="1.0" encoding="utf-8"?>
 <p:sld xmlns:a="http://schemas.openxmlformats.org/drawingml/2006/main" xmlns:r="http://schemas.openxmlformats.org/officeDocument/2006/relationships" xmlns:p="http://schemas.openxmlformats.org/presentationml/2006/main">
   <p:cSld>
     <p:spTree>
@@ -5745,7 +7008,7 @@
 </p:sld>
 </file>
 
-<file path=ppt/slides/slide4.xml><?xml version="1.0" encoding="utf-8"?>
+<file path=ppt/slides/slide5.xml><?xml version="1.0" encoding="utf-8"?>
 <p:sld xmlns:a="http://schemas.openxmlformats.org/drawingml/2006/main" xmlns:r="http://schemas.openxmlformats.org/officeDocument/2006/relationships" xmlns:p="http://schemas.openxmlformats.org/presentationml/2006/main">
   <p:cSld>
     <p:spTree>
@@ -6014,7 +7277,7 @@
         </p:nvCxnSpPr>
         <p:spPr>
           <a:xfrm flipH="1">
-            <a:off x="7344604" y="2662721"/>
+            <a:off x="7344604" y="2524703"/>
             <a:ext cx="1" cy="762482"/>
           </a:xfrm>
           <a:prstGeom prst="line">
@@ -6049,7 +7312,7 @@
         </p:nvSpPr>
         <p:spPr>
           <a:xfrm>
-            <a:off x="7149975" y="2325797"/>
+            <a:off x="7149975" y="2187779"/>
             <a:ext cx="387795" cy="387795"/>
           </a:xfrm>
           <a:prstGeom prst="ellipse">
@@ -6095,7 +7358,7 @@
         </p:nvSpPr>
         <p:spPr>
           <a:xfrm>
-            <a:off x="7145663" y="2302022"/>
+            <a:off x="7145663" y="2164004"/>
             <a:ext cx="421910" cy="461665"/>
           </a:xfrm>
           <a:prstGeom prst="rect">
@@ -6135,7 +7398,7 @@
         </p:nvGrpSpPr>
         <p:grpSpPr>
           <a:xfrm>
-            <a:off x="4623979" y="4125410"/>
+            <a:off x="4623979" y="3987392"/>
             <a:ext cx="421910" cy="1117537"/>
             <a:chOff x="4623979" y="3891279"/>
             <a:chExt cx="421910" cy="1117537"/>
@@ -6295,7 +7558,7 @@
         </p:nvCxnSpPr>
         <p:spPr>
           <a:xfrm flipH="1">
-            <a:off x="2320424" y="2662721"/>
+            <a:off x="2320424" y="2524703"/>
             <a:ext cx="1" cy="762482"/>
           </a:xfrm>
           <a:prstGeom prst="line">
@@ -6330,7 +7593,7 @@
         </p:nvSpPr>
         <p:spPr>
           <a:xfrm>
-            <a:off x="2125795" y="2325797"/>
+            <a:off x="2125795" y="2187779"/>
             <a:ext cx="387795" cy="387795"/>
           </a:xfrm>
           <a:prstGeom prst="ellipse">
@@ -6376,7 +7639,7 @@
         </p:nvSpPr>
         <p:spPr>
           <a:xfrm>
-            <a:off x="2113572" y="2302023"/>
+            <a:off x="2113572" y="2164005"/>
             <a:ext cx="421910" cy="461665"/>
           </a:xfrm>
           <a:prstGeom prst="rect">
@@ -6416,7 +7679,7 @@
         </p:nvSpPr>
         <p:spPr>
           <a:xfrm>
-            <a:off x="1059692" y="5124193"/>
+            <a:off x="1059692" y="5193202"/>
             <a:ext cx="2520001" cy="54000"/>
           </a:xfrm>
           <a:prstGeom prst="rect">
@@ -6462,7 +7725,7 @@
         </p:nvSpPr>
         <p:spPr>
           <a:xfrm flipV="1">
-            <a:off x="3563871" y="2028688"/>
+            <a:off x="3563871" y="2063193"/>
             <a:ext cx="2520001" cy="54000"/>
           </a:xfrm>
           <a:prstGeom prst="rect">
@@ -6511,7 +7774,7 @@
         </p:nvSpPr>
         <p:spPr>
           <a:xfrm>
-            <a:off x="6096618" y="5114611"/>
+            <a:off x="6096618" y="5183619"/>
             <a:ext cx="2520001" cy="54000"/>
           </a:xfrm>
           <a:prstGeom prst="rect">
@@ -6557,7 +7820,7 @@
         </p:nvSpPr>
         <p:spPr>
           <a:xfrm flipV="1">
-            <a:off x="8602783" y="2023483"/>
+            <a:off x="8602783" y="2014859"/>
             <a:ext cx="2520001" cy="54000"/>
           </a:xfrm>
           <a:prstGeom prst="rect">
@@ -6606,7 +7869,7 @@
         </p:nvGrpSpPr>
         <p:grpSpPr>
           <a:xfrm>
-            <a:off x="1059693" y="3264282"/>
+            <a:off x="1059693" y="3126264"/>
             <a:ext cx="2520000" cy="687635"/>
             <a:chOff x="1059693" y="3272991"/>
             <a:chExt cx="2520000" cy="687635"/>
@@ -6720,7 +7983,7 @@
         </p:nvSpPr>
         <p:spPr>
           <a:xfrm>
-            <a:off x="1088673" y="4019139"/>
+            <a:off x="1088673" y="3881121"/>
             <a:ext cx="2508126" cy="372410"/>
           </a:xfrm>
           <a:prstGeom prst="rect">
@@ -6773,7 +8036,7 @@
         </p:nvGrpSpPr>
         <p:grpSpPr>
           <a:xfrm>
-            <a:off x="6083873" y="3264282"/>
+            <a:off x="6083873" y="3126264"/>
             <a:ext cx="2520000" cy="687635"/>
             <a:chOff x="6093398" y="3272991"/>
             <a:chExt cx="2520000" cy="687635"/>
@@ -6866,7 +8129,7 @@
                   <a:latin typeface="微软雅黑" panose="020B0503020204020204" pitchFamily="34" charset="-122"/>
                   <a:ea typeface="微软雅黑" panose="020B0503020204020204" pitchFamily="34" charset="-122"/>
                 </a:rPr>
-                <a:t>不言放弃</a:t>
+                <a:t>钉子精神</a:t>
               </a:r>
               <a:endParaRPr lang="zh-CN" altLang="en-US" b="1" dirty="0">
                 <a:solidFill>
@@ -6887,7 +8150,7 @@
         </p:nvGrpSpPr>
         <p:grpSpPr>
           <a:xfrm>
-            <a:off x="3572106" y="3598102"/>
+            <a:off x="3572106" y="3460084"/>
             <a:ext cx="2520000" cy="687635"/>
             <a:chOff x="3572106" y="3606811"/>
             <a:chExt cx="2520000" cy="687635"/>
@@ -7003,7 +8266,7 @@
         </p:nvGrpSpPr>
         <p:grpSpPr>
           <a:xfrm>
-            <a:off x="8602784" y="3598102"/>
+            <a:off x="8602784" y="3460084"/>
             <a:ext cx="2520000" cy="687635"/>
             <a:chOff x="8612309" y="3606811"/>
             <a:chExt cx="2520000" cy="687635"/>
@@ -7119,8 +8382,8 @@
         </p:nvSpPr>
         <p:spPr>
           <a:xfrm>
-            <a:off x="6086589" y="4019139"/>
-            <a:ext cx="2508126" cy="932563"/>
+            <a:off x="6086589" y="3889742"/>
+            <a:ext cx="2508126" cy="1212640"/>
           </a:xfrm>
           <a:prstGeom prst="rect">
             <a:avLst/>
@@ -7149,7 +8412,7 @@
                 <a:latin typeface="微软雅黑" panose="020B0503020204020204" pitchFamily="34" charset="-122"/>
                 <a:ea typeface="微软雅黑" panose="020B0503020204020204" pitchFamily="34" charset="-122"/>
               </a:rPr>
-              <a:t>我可以接受失败，但无法接受放弃</a:t>
+              <a:t>遇到</a:t>
             </a:r>
             <a:r>
               <a:rPr lang="zh-CN" altLang="en-US" sz="1400" dirty="0" smtClean="0">
@@ -7162,65 +8425,9 @@
                 <a:latin typeface="微软雅黑" panose="020B0503020204020204" pitchFamily="34" charset="-122"/>
                 <a:ea typeface="微软雅黑" panose="020B0503020204020204" pitchFamily="34" charset="-122"/>
               </a:rPr>
-              <a:t>。</a:t>
+              <a:t>困难就退缩的人难成大事，在困难与失败中不断磨炼，你会越来越强大，最终成为团队中的“好钉子”。</a:t>
             </a:r>
             <a:endParaRPr lang="en-US" altLang="zh-CN" sz="1400" dirty="0" smtClean="0">
-              <a:solidFill>
-                <a:schemeClr val="tx1">
-                  <a:lumMod val="75000"/>
-                  <a:lumOff val="25000"/>
-                </a:schemeClr>
-              </a:solidFill>
-              <a:latin typeface="微软雅黑" panose="020B0503020204020204" pitchFamily="34" charset="-122"/>
-              <a:ea typeface="微软雅黑" panose="020B0503020204020204" pitchFamily="34" charset="-122"/>
-            </a:endParaRPr>
-          </a:p>
-          <a:p>
-            <a:pPr>
-              <a:lnSpc>
-                <a:spcPct val="130000"/>
-              </a:lnSpc>
-            </a:pPr>
-            <a:r>
-              <a:rPr lang="en-US" altLang="zh-CN" sz="1400" dirty="0">
-                <a:solidFill>
-                  <a:schemeClr val="tx1">
-                    <a:lumMod val="75000"/>
-                    <a:lumOff val="25000"/>
-                  </a:schemeClr>
-                </a:solidFill>
-                <a:latin typeface="微软雅黑" panose="020B0503020204020204" pitchFamily="34" charset="-122"/>
-                <a:ea typeface="微软雅黑" panose="020B0503020204020204" pitchFamily="34" charset="-122"/>
-              </a:rPr>
-              <a:t>	 </a:t>
-            </a:r>
-            <a:r>
-              <a:rPr lang="en-US" altLang="zh-CN" sz="1400" dirty="0" smtClean="0">
-                <a:solidFill>
-                  <a:schemeClr val="tx1">
-                    <a:lumMod val="75000"/>
-                    <a:lumOff val="25000"/>
-                  </a:schemeClr>
-                </a:solidFill>
-                <a:latin typeface="微软雅黑" panose="020B0503020204020204" pitchFamily="34" charset="-122"/>
-                <a:ea typeface="微软雅黑" panose="020B0503020204020204" pitchFamily="34" charset="-122"/>
-              </a:rPr>
-              <a:t>           ——</a:t>
-            </a:r>
-            <a:r>
-              <a:rPr lang="zh-CN" altLang="en-US" sz="1400" dirty="0">
-                <a:solidFill>
-                  <a:schemeClr val="tx1">
-                    <a:lumMod val="75000"/>
-                    <a:lumOff val="25000"/>
-                  </a:schemeClr>
-                </a:solidFill>
-                <a:latin typeface="微软雅黑" panose="020B0503020204020204" pitchFamily="34" charset="-122"/>
-                <a:ea typeface="微软雅黑" panose="020B0503020204020204" pitchFamily="34" charset="-122"/>
-              </a:rPr>
-              <a:t>乔丹</a:t>
-            </a:r>
-            <a:endParaRPr lang="en-US" altLang="zh-CN" sz="1400" dirty="0">
               <a:solidFill>
                 <a:schemeClr val="tx1">
                   <a:lumMod val="75000"/>
@@ -7241,7 +8448,7 @@
         </p:nvSpPr>
         <p:spPr>
           <a:xfrm>
-            <a:off x="3588492" y="2201776"/>
+            <a:off x="3588492" y="2236283"/>
             <a:ext cx="2508126" cy="932563"/>
           </a:xfrm>
           <a:prstGeom prst="rect">
@@ -7372,8 +8579,8 @@
         </p:nvSpPr>
         <p:spPr>
           <a:xfrm>
-            <a:off x="8609452" y="2193065"/>
-            <a:ext cx="2508126" cy="345094"/>
+            <a:off x="8609452" y="2149933"/>
+            <a:ext cx="2508126" cy="1185324"/>
           </a:xfrm>
           <a:prstGeom prst="rect">
             <a:avLst/>
@@ -7402,7 +8609,63 @@
                 <a:latin typeface="微软雅黑" panose="020B0503020204020204" pitchFamily="34" charset="-122"/>
                 <a:ea typeface="微软雅黑" panose="020B0503020204020204" pitchFamily="34" charset="-122"/>
               </a:rPr>
-              <a:t>凡事预则立，不预则废。</a:t>
+              <a:t>机遇从不光顾没有准备的头脑 ，弱者坐待良机，强者制造时机</a:t>
+            </a:r>
+            <a:r>
+              <a:rPr lang="zh-CN" altLang="en-US" sz="1400" dirty="0" smtClean="0">
+                <a:solidFill>
+                  <a:schemeClr val="tx1">
+                    <a:lumMod val="75000"/>
+                    <a:lumOff val="25000"/>
+                  </a:schemeClr>
+                </a:solidFill>
+                <a:latin typeface="微软雅黑" panose="020B0503020204020204" pitchFamily="34" charset="-122"/>
+                <a:ea typeface="微软雅黑" panose="020B0503020204020204" pitchFamily="34" charset="-122"/>
+              </a:rPr>
+              <a:t>。</a:t>
+            </a:r>
+            <a:endParaRPr lang="en-US" altLang="zh-CN" sz="1400" dirty="0" smtClean="0">
+              <a:solidFill>
+                <a:schemeClr val="tx1">
+                  <a:lumMod val="75000"/>
+                  <a:lumOff val="25000"/>
+                </a:schemeClr>
+              </a:solidFill>
+              <a:latin typeface="微软雅黑" panose="020B0503020204020204" pitchFamily="34" charset="-122"/>
+              <a:ea typeface="微软雅黑" panose="020B0503020204020204" pitchFamily="34" charset="-122"/>
+            </a:endParaRPr>
+          </a:p>
+          <a:p>
+            <a:pPr algn="r">
+              <a:lnSpc>
+                <a:spcPct val="130000"/>
+              </a:lnSpc>
+            </a:pPr>
+            <a:r>
+              <a:rPr lang="en-US" altLang="zh-CN" sz="1400" dirty="0" smtClean="0">
+                <a:solidFill>
+                  <a:schemeClr val="tx1">
+                    <a:lumMod val="75000"/>
+                    <a:lumOff val="25000"/>
+                  </a:schemeClr>
+                </a:solidFill>
+                <a:latin typeface="微软雅黑" panose="020B0503020204020204" pitchFamily="34" charset="-122"/>
+                <a:ea typeface="微软雅黑" panose="020B0503020204020204" pitchFamily="34" charset="-122"/>
+              </a:rPr>
+              <a:t>——</a:t>
+            </a:r>
+            <a:r>
+              <a:rPr lang="zh-CN" altLang="en-US" sz="1400" dirty="0">
+                <a:solidFill>
+                  <a:schemeClr val="tx1">
+                    <a:lumMod val="75000"/>
+                    <a:lumOff val="25000"/>
+                  </a:schemeClr>
+                </a:solidFill>
+                <a:latin typeface="微软雅黑" panose="020B0503020204020204" pitchFamily="34" charset="-122"/>
+                <a:ea typeface="微软雅黑" panose="020B0503020204020204" pitchFamily="34" charset="-122"/>
+              </a:rPr>
+              <a:t>居里夫人</a:t>
             </a:r>
             <a:endParaRPr lang="en-US" altLang="zh-CN" sz="1400" dirty="0">
               <a:solidFill>
@@ -7425,7 +8688,7 @@
         </p:nvGrpSpPr>
         <p:grpSpPr>
           <a:xfrm>
-            <a:off x="9647035" y="4125410"/>
+            <a:off x="9647035" y="3987392"/>
             <a:ext cx="421910" cy="1117537"/>
             <a:chOff x="9656560" y="3891279"/>
             <a:chExt cx="421910" cy="1117537"/>
@@ -8547,7 +9810,7 @@
 </p:sld>
 </file>
 
-<file path=ppt/slides/slide5.xml><?xml version="1.0" encoding="utf-8"?>
+<file path=ppt/slides/slide6.xml><?xml version="1.0" encoding="utf-8"?>
 <p:sld xmlns:a="http://schemas.openxmlformats.org/drawingml/2006/main" xmlns:r="http://schemas.openxmlformats.org/officeDocument/2006/relationships" xmlns:p="http://schemas.openxmlformats.org/presentationml/2006/main">
   <p:cSld>
     <p:spTree>
@@ -10519,7 +11782,7 @@
 </p:sld>
 </file>
 
-<file path=ppt/slides/slide6.xml><?xml version="1.0" encoding="utf-8"?>
+<file path=ppt/slides/slide7.xml><?xml version="1.0" encoding="utf-8"?>
 <p:sld xmlns:a="http://schemas.openxmlformats.org/drawingml/2006/main" xmlns:r="http://schemas.openxmlformats.org/officeDocument/2006/relationships" xmlns:p="http://schemas.openxmlformats.org/presentationml/2006/main">
   <p:cSld>
     <p:spTree>
@@ -11480,9 +12743,9 @@
         <p:grpSpPr>
           <a:xfrm>
             <a:off x="774833" y="3067962"/>
-            <a:ext cx="3401038" cy="1074162"/>
+            <a:ext cx="3401038" cy="1354239"/>
             <a:chOff x="774833" y="3067962"/>
-            <a:chExt cx="3401038" cy="1074162"/>
+            <a:chExt cx="3401038" cy="1354239"/>
           </a:xfrm>
         </p:grpSpPr>
         <p:sp>
@@ -11550,7 +12813,7 @@
           <p:spPr>
             <a:xfrm>
               <a:off x="812809" y="3489638"/>
-              <a:ext cx="3363062" cy="652486"/>
+              <a:ext cx="3363062" cy="932563"/>
             </a:xfrm>
             <a:prstGeom prst="rect">
               <a:avLst/>
@@ -11579,7 +12842,33 @@
                   <a:latin typeface="微软雅黑" panose="020B0503020204020204" pitchFamily="34" charset="-122"/>
                   <a:ea typeface="微软雅黑" panose="020B0503020204020204" pitchFamily="34" charset="-122"/>
                 </a:rPr>
-                <a:t>使用</a:t>
+                <a:t>借助</a:t>
+              </a:r>
+              <a:r>
+                <a:rPr lang="en-US" altLang="zh-CN" sz="1400" dirty="0" err="1" smtClean="0">
+                  <a:solidFill>
+                    <a:schemeClr val="tx1">
+                      <a:lumMod val="75000"/>
+                      <a:lumOff val="25000"/>
+                    </a:schemeClr>
+                  </a:solidFill>
+                  <a:latin typeface="微软雅黑" panose="020B0503020204020204" pitchFamily="34" charset="-122"/>
+                  <a:ea typeface="微软雅黑" panose="020B0503020204020204" pitchFamily="34" charset="-122"/>
+                </a:rPr>
+                <a:t>nodejs</a:t>
+              </a:r>
+              <a:r>
+                <a:rPr lang="zh-CN" altLang="en-US" sz="1400" dirty="0" smtClean="0">
+                  <a:solidFill>
+                    <a:schemeClr val="tx1">
+                      <a:lumMod val="75000"/>
+                      <a:lumOff val="25000"/>
+                    </a:schemeClr>
+                  </a:solidFill>
+                  <a:latin typeface="微软雅黑" panose="020B0503020204020204" pitchFamily="34" charset="-122"/>
+                  <a:ea typeface="微软雅黑" panose="020B0503020204020204" pitchFamily="34" charset="-122"/>
+                </a:rPr>
+                <a:t>，使用</a:t>
               </a:r>
               <a:r>
                 <a:rPr lang="en-US" altLang="zh-CN" sz="1400" dirty="0" smtClean="0">
@@ -11631,7 +12920,7 @@
                   <a:latin typeface="微软雅黑" panose="020B0503020204020204" pitchFamily="34" charset="-122"/>
                   <a:ea typeface="微软雅黑" panose="020B0503020204020204" pitchFamily="34" charset="-122"/>
                 </a:rPr>
-                <a:t>，处理发布环境的</a:t>
+                <a:t>自动化工具，处理发布环境的</a:t>
               </a:r>
               <a:r>
                 <a:rPr lang="en-US" altLang="zh-CN" sz="1400" dirty="0" err="1" smtClean="0">
@@ -11833,7 +13122,7 @@
                   <a:latin typeface="微软雅黑" panose="020B0503020204020204" pitchFamily="34" charset="-122"/>
                   <a:ea typeface="微软雅黑" panose="020B0503020204020204" pitchFamily="34" charset="-122"/>
                 </a:rPr>
-                <a:t>css3</a:t>
+                <a:t>CSS3</a:t>
               </a:r>
               <a:r>
                 <a:rPr lang="zh-CN" altLang="en-US" sz="1400" dirty="0" smtClean="0">
@@ -11846,10 +13135,10 @@
                   <a:latin typeface="微软雅黑" panose="020B0503020204020204" pitchFamily="34" charset="-122"/>
                   <a:ea typeface="微软雅黑" panose="020B0503020204020204" pitchFamily="34" charset="-122"/>
                 </a:rPr>
-                <a:t>使网页实现响应式，</a:t>
+                <a:t>属性或者响应式</a:t>
               </a:r>
               <a:r>
-                <a:rPr lang="zh-CN" altLang="en-US" sz="1400" dirty="0">
+                <a:rPr lang="en-US" altLang="zh-CN" sz="1400" dirty="0" smtClean="0">
                   <a:solidFill>
                     <a:schemeClr val="tx1">
                       <a:lumMod val="75000"/>
@@ -11859,7 +13148,7 @@
                   <a:latin typeface="微软雅黑" panose="020B0503020204020204" pitchFamily="34" charset="-122"/>
                   <a:ea typeface="微软雅黑" panose="020B0503020204020204" pitchFamily="34" charset="-122"/>
                 </a:rPr>
-                <a:t>一</a:t>
+                <a:t>UI</a:t>
               </a:r>
               <a:r>
                 <a:rPr lang="zh-CN" altLang="en-US" sz="1400" dirty="0" smtClean="0">
@@ -11872,7 +13161,7 @@
                   <a:latin typeface="微软雅黑" panose="020B0503020204020204" pitchFamily="34" charset="-122"/>
                   <a:ea typeface="微软雅黑" panose="020B0503020204020204" pitchFamily="34" charset="-122"/>
                 </a:rPr>
-                <a:t>套代码</a:t>
+                <a:t>框架，实现网页在</a:t>
               </a:r>
               <a:r>
                 <a:rPr lang="en-US" altLang="zh-CN" sz="1400" dirty="0" smtClean="0">
@@ -11898,7 +13187,7 @@
                   <a:latin typeface="微软雅黑" panose="020B0503020204020204" pitchFamily="34" charset="-122"/>
                   <a:ea typeface="微软雅黑" panose="020B0503020204020204" pitchFamily="34" charset="-122"/>
                 </a:rPr>
-                <a:t>端和移动端可以同时使用；</a:t>
+                <a:t>端和移动端都适用；</a:t>
               </a:r>
               <a:endParaRPr lang="en-US" altLang="zh-CN" sz="1400" dirty="0">
                 <a:solidFill>
@@ -13847,7 +15136,7 @@
 </p:sld>
 </file>
 
-<file path=ppt/slides/slide7.xml><?xml version="1.0" encoding="utf-8"?>
+<file path=ppt/slides/slide8.xml><?xml version="1.0" encoding="utf-8"?>
 <p:sld xmlns:a="http://schemas.openxmlformats.org/drawingml/2006/main" xmlns:r="http://schemas.openxmlformats.org/officeDocument/2006/relationships" xmlns:p="http://schemas.openxmlformats.org/presentationml/2006/main" showMasterSp="0">
   <p:cSld>
     <p:bg>
@@ -14374,7 +15663,7 @@
 </p:sld>
 </file>
 
-<file path=ppt/slides/slide8.xml><?xml version="1.0" encoding="utf-8"?>
+<file path=ppt/slides/slide9.xml><?xml version="1.0" encoding="utf-8"?>
 <p:sld xmlns:a="http://schemas.openxmlformats.org/drawingml/2006/main" xmlns:r="http://schemas.openxmlformats.org/officeDocument/2006/relationships" xmlns:p="http://schemas.openxmlformats.org/presentationml/2006/main">
   <p:cSld>
     <p:spTree>
